--- a/Figures/AIS_gating.pptx
+++ b/Figures/AIS_gating.pptx
@@ -104,7 +104,16 @@
       </a:defRPr>
     </a:lvl9pPr>
   </p:defaultTextStyle>
+  <p:extLst>
+    <p:ext uri="{EFAFB233-063F-42B5-8137-9DF3F51BA10A}">
+      <p15:sldGuideLst xmlns:p15="http://schemas.microsoft.com/office/powerpoint/2012/main"/>
+    </p:ext>
+  </p:extLst>
 </p:presentation>
+</file>
+
+<file path=ppt/revisionInfo.xml><?xml version="1.0" encoding="utf-8"?>
+<p1510:revInfo xmlns:a="http://schemas.openxmlformats.org/drawingml/2006/main" xmlns:r="http://schemas.openxmlformats.org/officeDocument/2006/relationships" xmlns:p1510="http://schemas.microsoft.com/office/powerpoint/2015/10/main"/>
 </file>
 
 <file path=ppt/slideLayouts/slideLayout1.xml><?xml version="1.0" encoding="utf-8"?>
@@ -149,10 +158,9 @@
           </a:lstStyle>
           <a:p>
             <a:r>
-              <a:rPr lang="nb-NO" smtClean="0"/>
+              <a:rPr lang="nb-NO"/>
               <a:t>Klikk for å redigere tittelstil</a:t>
             </a:r>
-            <a:endParaRPr lang="nb-NO"/>
           </a:p>
         </p:txBody>
       </p:sp>
@@ -214,10 +222,9 @@
           </a:lstStyle>
           <a:p>
             <a:r>
-              <a:rPr lang="nb-NO" smtClean="0"/>
+              <a:rPr lang="nb-NO"/>
               <a:t>Klikk for å redigere undertittelstil i malen</a:t>
             </a:r>
-            <a:endParaRPr lang="nb-NO"/>
           </a:p>
         </p:txBody>
       </p:sp>
@@ -238,7 +245,7 @@
           <a:p>
             <a:fld id="{B7618162-1DE7-5E46-B728-C733B3AF3B1C}" type="datetimeFigureOut">
               <a:rPr lang="nb-NO" smtClean="0"/>
-              <a:t>23.04.2017</a:t>
+              <a:t>03.05.2017</a:t>
             </a:fld>
             <a:endParaRPr lang="nb-NO"/>
           </a:p>
@@ -332,10 +339,9 @@
           <a:lstStyle/>
           <a:p>
             <a:r>
-              <a:rPr lang="nb-NO" smtClean="0"/>
+              <a:rPr lang="nb-NO"/>
               <a:t>Klikk for å redigere tittelstil</a:t>
             </a:r>
-            <a:endParaRPr lang="nb-NO"/>
           </a:p>
         </p:txBody>
       </p:sp>
@@ -356,38 +362,37 @@
           <a:p>
             <a:pPr lvl="0"/>
             <a:r>
-              <a:rPr lang="nb-NO" smtClean="0"/>
+              <a:rPr lang="nb-NO"/>
               <a:t>Klikk for å redigere tekststiler i malen</a:t>
             </a:r>
           </a:p>
           <a:p>
             <a:pPr lvl="1"/>
             <a:r>
-              <a:rPr lang="nb-NO" smtClean="0"/>
+              <a:rPr lang="nb-NO"/>
               <a:t>Andre nivå</a:t>
             </a:r>
           </a:p>
           <a:p>
             <a:pPr lvl="2"/>
             <a:r>
-              <a:rPr lang="nb-NO" smtClean="0"/>
+              <a:rPr lang="nb-NO"/>
               <a:t>Tredje nivå</a:t>
             </a:r>
           </a:p>
           <a:p>
             <a:pPr lvl="3"/>
             <a:r>
-              <a:rPr lang="nb-NO" smtClean="0"/>
+              <a:rPr lang="nb-NO"/>
               <a:t>Fjerde nivå</a:t>
             </a:r>
           </a:p>
           <a:p>
             <a:pPr lvl="4"/>
             <a:r>
-              <a:rPr lang="nb-NO" smtClean="0"/>
+              <a:rPr lang="nb-NO"/>
               <a:t>Femte nivå</a:t>
             </a:r>
-            <a:endParaRPr lang="nb-NO"/>
           </a:p>
         </p:txBody>
       </p:sp>
@@ -408,7 +413,7 @@
           <a:p>
             <a:fld id="{B7618162-1DE7-5E46-B728-C733B3AF3B1C}" type="datetimeFigureOut">
               <a:rPr lang="nb-NO" smtClean="0"/>
-              <a:t>23.04.2017</a:t>
+              <a:t>03.05.2017</a:t>
             </a:fld>
             <a:endParaRPr lang="nb-NO"/>
           </a:p>
@@ -507,10 +512,9 @@
           <a:lstStyle/>
           <a:p>
             <a:r>
-              <a:rPr lang="nb-NO" smtClean="0"/>
+              <a:rPr lang="nb-NO"/>
               <a:t>Klikk for å redigere tittelstil</a:t>
             </a:r>
-            <a:endParaRPr lang="nb-NO"/>
           </a:p>
         </p:txBody>
       </p:sp>
@@ -536,38 +540,37 @@
           <a:p>
             <a:pPr lvl="0"/>
             <a:r>
-              <a:rPr lang="nb-NO" smtClean="0"/>
+              <a:rPr lang="nb-NO"/>
               <a:t>Klikk for å redigere tekststiler i malen</a:t>
             </a:r>
           </a:p>
           <a:p>
             <a:pPr lvl="1"/>
             <a:r>
-              <a:rPr lang="nb-NO" smtClean="0"/>
+              <a:rPr lang="nb-NO"/>
               <a:t>Andre nivå</a:t>
             </a:r>
           </a:p>
           <a:p>
             <a:pPr lvl="2"/>
             <a:r>
-              <a:rPr lang="nb-NO" smtClean="0"/>
+              <a:rPr lang="nb-NO"/>
               <a:t>Tredje nivå</a:t>
             </a:r>
           </a:p>
           <a:p>
             <a:pPr lvl="3"/>
             <a:r>
-              <a:rPr lang="nb-NO" smtClean="0"/>
+              <a:rPr lang="nb-NO"/>
               <a:t>Fjerde nivå</a:t>
             </a:r>
           </a:p>
           <a:p>
             <a:pPr lvl="4"/>
             <a:r>
-              <a:rPr lang="nb-NO" smtClean="0"/>
+              <a:rPr lang="nb-NO"/>
               <a:t>Femte nivå</a:t>
             </a:r>
-            <a:endParaRPr lang="nb-NO"/>
           </a:p>
         </p:txBody>
       </p:sp>
@@ -588,7 +591,7 @@
           <a:p>
             <a:fld id="{B7618162-1DE7-5E46-B728-C733B3AF3B1C}" type="datetimeFigureOut">
               <a:rPr lang="nb-NO" smtClean="0"/>
-              <a:t>23.04.2017</a:t>
+              <a:t>03.05.2017</a:t>
             </a:fld>
             <a:endParaRPr lang="nb-NO"/>
           </a:p>
@@ -682,10 +685,9 @@
           <a:lstStyle/>
           <a:p>
             <a:r>
-              <a:rPr lang="nb-NO" smtClean="0"/>
+              <a:rPr lang="nb-NO"/>
               <a:t>Klikk for å redigere tittelstil</a:t>
             </a:r>
-            <a:endParaRPr lang="nb-NO"/>
           </a:p>
         </p:txBody>
       </p:sp>
@@ -706,38 +708,37 @@
           <a:p>
             <a:pPr lvl="0"/>
             <a:r>
-              <a:rPr lang="nb-NO" smtClean="0"/>
+              <a:rPr lang="nb-NO"/>
               <a:t>Klikk for å redigere tekststiler i malen</a:t>
             </a:r>
           </a:p>
           <a:p>
             <a:pPr lvl="1"/>
             <a:r>
-              <a:rPr lang="nb-NO" smtClean="0"/>
+              <a:rPr lang="nb-NO"/>
               <a:t>Andre nivå</a:t>
             </a:r>
           </a:p>
           <a:p>
             <a:pPr lvl="2"/>
             <a:r>
-              <a:rPr lang="nb-NO" smtClean="0"/>
+              <a:rPr lang="nb-NO"/>
               <a:t>Tredje nivå</a:t>
             </a:r>
           </a:p>
           <a:p>
             <a:pPr lvl="3"/>
             <a:r>
-              <a:rPr lang="nb-NO" smtClean="0"/>
+              <a:rPr lang="nb-NO"/>
               <a:t>Fjerde nivå</a:t>
             </a:r>
           </a:p>
           <a:p>
             <a:pPr lvl="4"/>
             <a:r>
-              <a:rPr lang="nb-NO" smtClean="0"/>
+              <a:rPr lang="nb-NO"/>
               <a:t>Femte nivå</a:t>
             </a:r>
-            <a:endParaRPr lang="nb-NO"/>
           </a:p>
         </p:txBody>
       </p:sp>
@@ -758,7 +759,7 @@
           <a:p>
             <a:fld id="{B7618162-1DE7-5E46-B728-C733B3AF3B1C}" type="datetimeFigureOut">
               <a:rPr lang="nb-NO" smtClean="0"/>
-              <a:t>23.04.2017</a:t>
+              <a:t>03.05.2017</a:t>
             </a:fld>
             <a:endParaRPr lang="nb-NO"/>
           </a:p>
@@ -861,10 +862,9 @@
           </a:lstStyle>
           <a:p>
             <a:r>
-              <a:rPr lang="nb-NO" smtClean="0"/>
+              <a:rPr lang="nb-NO"/>
               <a:t>Klikk for å redigere tittelstil</a:t>
             </a:r>
-            <a:endParaRPr lang="nb-NO"/>
           </a:p>
         </p:txBody>
       </p:sp>
@@ -981,7 +981,7 @@
           <a:p>
             <a:pPr lvl="0"/>
             <a:r>
-              <a:rPr lang="nb-NO" smtClean="0"/>
+              <a:rPr lang="nb-NO"/>
               <a:t>Klikk for å redigere tekststiler i malen</a:t>
             </a:r>
           </a:p>
@@ -1004,7 +1004,7 @@
           <a:p>
             <a:fld id="{B7618162-1DE7-5E46-B728-C733B3AF3B1C}" type="datetimeFigureOut">
               <a:rPr lang="nb-NO" smtClean="0"/>
-              <a:t>23.04.2017</a:t>
+              <a:t>03.05.2017</a:t>
             </a:fld>
             <a:endParaRPr lang="nb-NO"/>
           </a:p>
@@ -1098,10 +1098,9 @@
           <a:lstStyle/>
           <a:p>
             <a:r>
-              <a:rPr lang="nb-NO" smtClean="0"/>
+              <a:rPr lang="nb-NO"/>
               <a:t>Klikk for å redigere tittelstil</a:t>
             </a:r>
-            <a:endParaRPr lang="nb-NO"/>
           </a:p>
         </p:txBody>
       </p:sp>
@@ -1127,38 +1126,37 @@
           <a:p>
             <a:pPr lvl="0"/>
             <a:r>
-              <a:rPr lang="nb-NO" smtClean="0"/>
+              <a:rPr lang="nb-NO"/>
               <a:t>Klikk for å redigere tekststiler i malen</a:t>
             </a:r>
           </a:p>
           <a:p>
             <a:pPr lvl="1"/>
             <a:r>
-              <a:rPr lang="nb-NO" smtClean="0"/>
+              <a:rPr lang="nb-NO"/>
               <a:t>Andre nivå</a:t>
             </a:r>
           </a:p>
           <a:p>
             <a:pPr lvl="2"/>
             <a:r>
-              <a:rPr lang="nb-NO" smtClean="0"/>
+              <a:rPr lang="nb-NO"/>
               <a:t>Tredje nivå</a:t>
             </a:r>
           </a:p>
           <a:p>
             <a:pPr lvl="3"/>
             <a:r>
-              <a:rPr lang="nb-NO" smtClean="0"/>
+              <a:rPr lang="nb-NO"/>
               <a:t>Fjerde nivå</a:t>
             </a:r>
           </a:p>
           <a:p>
             <a:pPr lvl="4"/>
             <a:r>
-              <a:rPr lang="nb-NO" smtClean="0"/>
+              <a:rPr lang="nb-NO"/>
               <a:t>Femte nivå</a:t>
             </a:r>
-            <a:endParaRPr lang="nb-NO"/>
           </a:p>
         </p:txBody>
       </p:sp>
@@ -1184,38 +1182,37 @@
           <a:p>
             <a:pPr lvl="0"/>
             <a:r>
-              <a:rPr lang="nb-NO" smtClean="0"/>
+              <a:rPr lang="nb-NO"/>
               <a:t>Klikk for å redigere tekststiler i malen</a:t>
             </a:r>
           </a:p>
           <a:p>
             <a:pPr lvl="1"/>
             <a:r>
-              <a:rPr lang="nb-NO" smtClean="0"/>
+              <a:rPr lang="nb-NO"/>
               <a:t>Andre nivå</a:t>
             </a:r>
           </a:p>
           <a:p>
             <a:pPr lvl="2"/>
             <a:r>
-              <a:rPr lang="nb-NO" smtClean="0"/>
+              <a:rPr lang="nb-NO"/>
               <a:t>Tredje nivå</a:t>
             </a:r>
           </a:p>
           <a:p>
             <a:pPr lvl="3"/>
             <a:r>
-              <a:rPr lang="nb-NO" smtClean="0"/>
+              <a:rPr lang="nb-NO"/>
               <a:t>Fjerde nivå</a:t>
             </a:r>
           </a:p>
           <a:p>
             <a:pPr lvl="4"/>
             <a:r>
-              <a:rPr lang="nb-NO" smtClean="0"/>
+              <a:rPr lang="nb-NO"/>
               <a:t>Femte nivå</a:t>
             </a:r>
-            <a:endParaRPr lang="nb-NO"/>
           </a:p>
         </p:txBody>
       </p:sp>
@@ -1236,7 +1233,7 @@
           <a:p>
             <a:fld id="{B7618162-1DE7-5E46-B728-C733B3AF3B1C}" type="datetimeFigureOut">
               <a:rPr lang="nb-NO" smtClean="0"/>
-              <a:t>23.04.2017</a:t>
+              <a:t>03.05.2017</a:t>
             </a:fld>
             <a:endParaRPr lang="nb-NO"/>
           </a:p>
@@ -1335,10 +1332,9 @@
           <a:lstStyle/>
           <a:p>
             <a:r>
-              <a:rPr lang="nb-NO" smtClean="0"/>
+              <a:rPr lang="nb-NO"/>
               <a:t>Klikk for å redigere tittelstil</a:t>
             </a:r>
-            <a:endParaRPr lang="nb-NO"/>
           </a:p>
         </p:txBody>
       </p:sp>
@@ -1401,7 +1397,7 @@
           <a:p>
             <a:pPr lvl="0"/>
             <a:r>
-              <a:rPr lang="nb-NO" smtClean="0"/>
+              <a:rPr lang="nb-NO"/>
               <a:t>Klikk for å redigere tekststiler i malen</a:t>
             </a:r>
           </a:p>
@@ -1429,38 +1425,37 @@
           <a:p>
             <a:pPr lvl="0"/>
             <a:r>
-              <a:rPr lang="nb-NO" smtClean="0"/>
+              <a:rPr lang="nb-NO"/>
               <a:t>Klikk for å redigere tekststiler i malen</a:t>
             </a:r>
           </a:p>
           <a:p>
             <a:pPr lvl="1"/>
             <a:r>
-              <a:rPr lang="nb-NO" smtClean="0"/>
+              <a:rPr lang="nb-NO"/>
               <a:t>Andre nivå</a:t>
             </a:r>
           </a:p>
           <a:p>
             <a:pPr lvl="2"/>
             <a:r>
-              <a:rPr lang="nb-NO" smtClean="0"/>
+              <a:rPr lang="nb-NO"/>
               <a:t>Tredje nivå</a:t>
             </a:r>
           </a:p>
           <a:p>
             <a:pPr lvl="3"/>
             <a:r>
-              <a:rPr lang="nb-NO" smtClean="0"/>
+              <a:rPr lang="nb-NO"/>
               <a:t>Fjerde nivå</a:t>
             </a:r>
           </a:p>
           <a:p>
             <a:pPr lvl="4"/>
             <a:r>
-              <a:rPr lang="nb-NO" smtClean="0"/>
+              <a:rPr lang="nb-NO"/>
               <a:t>Femte nivå</a:t>
             </a:r>
-            <a:endParaRPr lang="nb-NO"/>
           </a:p>
         </p:txBody>
       </p:sp>
@@ -1523,7 +1518,7 @@
           <a:p>
             <a:pPr lvl="0"/>
             <a:r>
-              <a:rPr lang="nb-NO" smtClean="0"/>
+              <a:rPr lang="nb-NO"/>
               <a:t>Klikk for å redigere tekststiler i malen</a:t>
             </a:r>
           </a:p>
@@ -1551,38 +1546,37 @@
           <a:p>
             <a:pPr lvl="0"/>
             <a:r>
-              <a:rPr lang="nb-NO" smtClean="0"/>
+              <a:rPr lang="nb-NO"/>
               <a:t>Klikk for å redigere tekststiler i malen</a:t>
             </a:r>
           </a:p>
           <a:p>
             <a:pPr lvl="1"/>
             <a:r>
-              <a:rPr lang="nb-NO" smtClean="0"/>
+              <a:rPr lang="nb-NO"/>
               <a:t>Andre nivå</a:t>
             </a:r>
           </a:p>
           <a:p>
             <a:pPr lvl="2"/>
             <a:r>
-              <a:rPr lang="nb-NO" smtClean="0"/>
+              <a:rPr lang="nb-NO"/>
               <a:t>Tredje nivå</a:t>
             </a:r>
           </a:p>
           <a:p>
             <a:pPr lvl="3"/>
             <a:r>
-              <a:rPr lang="nb-NO" smtClean="0"/>
+              <a:rPr lang="nb-NO"/>
               <a:t>Fjerde nivå</a:t>
             </a:r>
           </a:p>
           <a:p>
             <a:pPr lvl="4"/>
             <a:r>
-              <a:rPr lang="nb-NO" smtClean="0"/>
+              <a:rPr lang="nb-NO"/>
               <a:t>Femte nivå</a:t>
             </a:r>
-            <a:endParaRPr lang="nb-NO"/>
           </a:p>
         </p:txBody>
       </p:sp>
@@ -1603,7 +1597,7 @@
           <a:p>
             <a:fld id="{B7618162-1DE7-5E46-B728-C733B3AF3B1C}" type="datetimeFigureOut">
               <a:rPr lang="nb-NO" smtClean="0"/>
-              <a:t>23.04.2017</a:t>
+              <a:t>03.05.2017</a:t>
             </a:fld>
             <a:endParaRPr lang="nb-NO"/>
           </a:p>
@@ -1697,10 +1691,9 @@
           <a:lstStyle/>
           <a:p>
             <a:r>
-              <a:rPr lang="nb-NO" smtClean="0"/>
+              <a:rPr lang="nb-NO"/>
               <a:t>Klikk for å redigere tittelstil</a:t>
             </a:r>
-            <a:endParaRPr lang="nb-NO"/>
           </a:p>
         </p:txBody>
       </p:sp>
@@ -1721,7 +1714,7 @@
           <a:p>
             <a:fld id="{B7618162-1DE7-5E46-B728-C733B3AF3B1C}" type="datetimeFigureOut">
               <a:rPr lang="nb-NO" smtClean="0"/>
-              <a:t>23.04.2017</a:t>
+              <a:t>03.05.2017</a:t>
             </a:fld>
             <a:endParaRPr lang="nb-NO"/>
           </a:p>
@@ -1816,7 +1809,7 @@
           <a:p>
             <a:fld id="{B7618162-1DE7-5E46-B728-C733B3AF3B1C}" type="datetimeFigureOut">
               <a:rPr lang="nb-NO" smtClean="0"/>
-              <a:t>23.04.2017</a:t>
+              <a:t>03.05.2017</a:t>
             </a:fld>
             <a:endParaRPr lang="nb-NO"/>
           </a:p>
@@ -1919,10 +1912,9 @@
           </a:lstStyle>
           <a:p>
             <a:r>
-              <a:rPr lang="nb-NO" smtClean="0"/>
+              <a:rPr lang="nb-NO"/>
               <a:t>Klikk for å redigere tittelstil</a:t>
             </a:r>
-            <a:endParaRPr lang="nb-NO"/>
           </a:p>
         </p:txBody>
       </p:sp>
@@ -1976,38 +1968,37 @@
           <a:p>
             <a:pPr lvl="0"/>
             <a:r>
-              <a:rPr lang="nb-NO" smtClean="0"/>
+              <a:rPr lang="nb-NO"/>
               <a:t>Klikk for å redigere tekststiler i malen</a:t>
             </a:r>
           </a:p>
           <a:p>
             <a:pPr lvl="1"/>
             <a:r>
-              <a:rPr lang="nb-NO" smtClean="0"/>
+              <a:rPr lang="nb-NO"/>
               <a:t>Andre nivå</a:t>
             </a:r>
           </a:p>
           <a:p>
             <a:pPr lvl="2"/>
             <a:r>
-              <a:rPr lang="nb-NO" smtClean="0"/>
+              <a:rPr lang="nb-NO"/>
               <a:t>Tredje nivå</a:t>
             </a:r>
           </a:p>
           <a:p>
             <a:pPr lvl="3"/>
             <a:r>
-              <a:rPr lang="nb-NO" smtClean="0"/>
+              <a:rPr lang="nb-NO"/>
               <a:t>Fjerde nivå</a:t>
             </a:r>
           </a:p>
           <a:p>
             <a:pPr lvl="4"/>
             <a:r>
-              <a:rPr lang="nb-NO" smtClean="0"/>
+              <a:rPr lang="nb-NO"/>
               <a:t>Femte nivå</a:t>
             </a:r>
-            <a:endParaRPr lang="nb-NO"/>
           </a:p>
         </p:txBody>
       </p:sp>
@@ -2070,7 +2061,7 @@
           <a:p>
             <a:pPr lvl="0"/>
             <a:r>
-              <a:rPr lang="nb-NO" smtClean="0"/>
+              <a:rPr lang="nb-NO"/>
               <a:t>Klikk for å redigere tekststiler i malen</a:t>
             </a:r>
           </a:p>
@@ -2093,7 +2084,7 @@
           <a:p>
             <a:fld id="{B7618162-1DE7-5E46-B728-C733B3AF3B1C}" type="datetimeFigureOut">
               <a:rPr lang="nb-NO" smtClean="0"/>
-              <a:t>23.04.2017</a:t>
+              <a:t>03.05.2017</a:t>
             </a:fld>
             <a:endParaRPr lang="nb-NO"/>
           </a:p>
@@ -2196,10 +2187,9 @@
           </a:lstStyle>
           <a:p>
             <a:r>
-              <a:rPr lang="nb-NO" smtClean="0"/>
+              <a:rPr lang="nb-NO"/>
               <a:t>Klikk for å redigere tittelstil</a:t>
             </a:r>
-            <a:endParaRPr lang="nb-NO"/>
           </a:p>
         </p:txBody>
       </p:sp>
@@ -2323,7 +2313,7 @@
           <a:p>
             <a:pPr lvl="0"/>
             <a:r>
-              <a:rPr lang="nb-NO" smtClean="0"/>
+              <a:rPr lang="nb-NO"/>
               <a:t>Klikk for å redigere tekststiler i malen</a:t>
             </a:r>
           </a:p>
@@ -2346,7 +2336,7 @@
           <a:p>
             <a:fld id="{B7618162-1DE7-5E46-B728-C733B3AF3B1C}" type="datetimeFigureOut">
               <a:rPr lang="nb-NO" smtClean="0"/>
-              <a:t>23.04.2017</a:t>
+              <a:t>03.05.2017</a:t>
             </a:fld>
             <a:endParaRPr lang="nb-NO"/>
           </a:p>
@@ -2455,10 +2445,9 @@
           <a:lstStyle/>
           <a:p>
             <a:r>
-              <a:rPr lang="nb-NO" smtClean="0"/>
+              <a:rPr lang="nb-NO"/>
               <a:t>Klikk for å redigere tittelstil</a:t>
             </a:r>
-            <a:endParaRPr lang="nb-NO"/>
           </a:p>
         </p:txBody>
       </p:sp>
@@ -2489,38 +2478,37 @@
           <a:p>
             <a:pPr lvl="0"/>
             <a:r>
-              <a:rPr lang="nb-NO" smtClean="0"/>
+              <a:rPr lang="nb-NO"/>
               <a:t>Klikk for å redigere tekststiler i malen</a:t>
             </a:r>
           </a:p>
           <a:p>
             <a:pPr lvl="1"/>
             <a:r>
-              <a:rPr lang="nb-NO" smtClean="0"/>
+              <a:rPr lang="nb-NO"/>
               <a:t>Andre nivå</a:t>
             </a:r>
           </a:p>
           <a:p>
             <a:pPr lvl="2"/>
             <a:r>
-              <a:rPr lang="nb-NO" smtClean="0"/>
+              <a:rPr lang="nb-NO"/>
               <a:t>Tredje nivå</a:t>
             </a:r>
           </a:p>
           <a:p>
             <a:pPr lvl="3"/>
             <a:r>
-              <a:rPr lang="nb-NO" smtClean="0"/>
+              <a:rPr lang="nb-NO"/>
               <a:t>Fjerde nivå</a:t>
             </a:r>
           </a:p>
           <a:p>
             <a:pPr lvl="4"/>
             <a:r>
-              <a:rPr lang="nb-NO" smtClean="0"/>
+              <a:rPr lang="nb-NO"/>
               <a:t>Femte nivå</a:t>
             </a:r>
-            <a:endParaRPr lang="nb-NO"/>
           </a:p>
         </p:txBody>
       </p:sp>
@@ -2559,7 +2547,7 @@
           <a:p>
             <a:fld id="{B7618162-1DE7-5E46-B728-C733B3AF3B1C}" type="datetimeFigureOut">
               <a:rPr lang="nb-NO" smtClean="0"/>
-              <a:t>23.04.2017</a:t>
+              <a:t>03.05.2017</a:t>
             </a:fld>
             <a:endParaRPr lang="nb-NO"/>
           </a:p>
@@ -2964,6 +2952,186 @@
           <a:chExt cx="0" cy="0"/>
         </a:xfrm>
       </p:grpSpPr>
+      <p:grpSp>
+        <p:nvGrpSpPr>
+          <p:cNvPr id="32" name="Gruppe 31"/>
+          <p:cNvGrpSpPr/>
+          <p:nvPr/>
+        </p:nvGrpSpPr>
+        <p:grpSpPr>
+          <a:xfrm>
+            <a:off x="9393339" y="3260727"/>
+            <a:ext cx="540301" cy="584276"/>
+            <a:chOff x="6500482" y="2208810"/>
+            <a:chExt cx="313555" cy="339075"/>
+          </a:xfrm>
+        </p:grpSpPr>
+        <p:sp>
+          <p:nvSpPr>
+            <p:cNvPr id="33" name="Ellipse 32"/>
+            <p:cNvSpPr/>
+            <p:nvPr/>
+          </p:nvSpPr>
+          <p:spPr>
+            <a:xfrm>
+              <a:off x="6685808" y="2208810"/>
+              <a:ext cx="106878" cy="106878"/>
+            </a:xfrm>
+            <a:prstGeom prst="ellipse">
+              <a:avLst/>
+            </a:prstGeom>
+            <a:solidFill>
+              <a:schemeClr val="tx1"/>
+            </a:solidFill>
+            <a:ln>
+              <a:noFill/>
+            </a:ln>
+          </p:spPr>
+          <p:style>
+            <a:lnRef idx="2">
+              <a:schemeClr val="accent1">
+                <a:shade val="50000"/>
+              </a:schemeClr>
+            </a:lnRef>
+            <a:fillRef idx="1">
+              <a:schemeClr val="accent1"/>
+            </a:fillRef>
+            <a:effectRef idx="0">
+              <a:schemeClr val="accent1"/>
+            </a:effectRef>
+            <a:fontRef idx="minor">
+              <a:schemeClr val="lt1"/>
+            </a:fontRef>
+          </p:style>
+          <p:txBody>
+            <a:bodyPr rtlCol="0" anchor="ctr"/>
+            <a:lstStyle/>
+            <a:p>
+              <a:pPr algn="ctr"/>
+              <a:endParaRPr lang="nb-NO" dirty="0"/>
+            </a:p>
+          </p:txBody>
+        </p:sp>
+        <p:sp>
+          <p:nvSpPr>
+            <p:cNvPr id="34" name="TekstSylinder 33"/>
+            <p:cNvSpPr txBox="1"/>
+            <p:nvPr/>
+          </p:nvSpPr>
+          <p:spPr>
+            <a:xfrm>
+              <a:off x="6500482" y="2315688"/>
+              <a:ext cx="313555" cy="232197"/>
+            </a:xfrm>
+            <a:prstGeom prst="rect">
+              <a:avLst/>
+            </a:prstGeom>
+            <a:noFill/>
+          </p:spPr>
+          <p:txBody>
+            <a:bodyPr wrap="square" rtlCol="0">
+              <a:spAutoFit/>
+            </a:bodyPr>
+            <a:lstStyle/>
+            <a:p>
+              <a:r>
+                <a:rPr lang="nb-NO" sz="2000" dirty="0"/>
+                <a:t>P2</a:t>
+              </a:r>
+            </a:p>
+          </p:txBody>
+        </p:sp>
+      </p:grpSp>
+      <p:grpSp>
+        <p:nvGrpSpPr>
+          <p:cNvPr id="28" name="Gruppe 27"/>
+          <p:cNvGrpSpPr/>
+          <p:nvPr/>
+        </p:nvGrpSpPr>
+        <p:grpSpPr>
+          <a:xfrm>
+            <a:off x="9505082" y="4570026"/>
+            <a:ext cx="540301" cy="584276"/>
+            <a:chOff x="6500482" y="2208810"/>
+            <a:chExt cx="313555" cy="339075"/>
+          </a:xfrm>
+        </p:grpSpPr>
+        <p:sp>
+          <p:nvSpPr>
+            <p:cNvPr id="30" name="Ellipse 29"/>
+            <p:cNvSpPr/>
+            <p:nvPr/>
+          </p:nvSpPr>
+          <p:spPr>
+            <a:xfrm>
+              <a:off x="6685808" y="2208810"/>
+              <a:ext cx="106878" cy="106878"/>
+            </a:xfrm>
+            <a:prstGeom prst="ellipse">
+              <a:avLst/>
+            </a:prstGeom>
+            <a:solidFill>
+              <a:schemeClr val="tx1"/>
+            </a:solidFill>
+            <a:ln>
+              <a:noFill/>
+            </a:ln>
+          </p:spPr>
+          <p:style>
+            <a:lnRef idx="2">
+              <a:schemeClr val="accent1">
+                <a:shade val="50000"/>
+              </a:schemeClr>
+            </a:lnRef>
+            <a:fillRef idx="1">
+              <a:schemeClr val="accent1"/>
+            </a:fillRef>
+            <a:effectRef idx="0">
+              <a:schemeClr val="accent1"/>
+            </a:effectRef>
+            <a:fontRef idx="minor">
+              <a:schemeClr val="lt1"/>
+            </a:fontRef>
+          </p:style>
+          <p:txBody>
+            <a:bodyPr rtlCol="0" anchor="ctr"/>
+            <a:lstStyle/>
+            <a:p>
+              <a:pPr algn="ctr"/>
+              <a:endParaRPr lang="nb-NO" dirty="0"/>
+            </a:p>
+          </p:txBody>
+        </p:sp>
+        <p:sp>
+          <p:nvSpPr>
+            <p:cNvPr id="31" name="TekstSylinder 30"/>
+            <p:cNvSpPr txBox="1"/>
+            <p:nvPr/>
+          </p:nvSpPr>
+          <p:spPr>
+            <a:xfrm>
+              <a:off x="6500482" y="2315688"/>
+              <a:ext cx="313555" cy="232197"/>
+            </a:xfrm>
+            <a:prstGeom prst="rect">
+              <a:avLst/>
+            </a:prstGeom>
+            <a:noFill/>
+          </p:spPr>
+          <p:txBody>
+            <a:bodyPr wrap="square" rtlCol="0">
+              <a:spAutoFit/>
+            </a:bodyPr>
+            <a:lstStyle/>
+            <a:p>
+              <a:r>
+                <a:rPr lang="nb-NO" sz="2000" dirty="0"/>
+                <a:t>P1</a:t>
+              </a:r>
+            </a:p>
+          </p:txBody>
+        </p:sp>
+      </p:grpSp>
       <p:sp>
         <p:nvSpPr>
           <p:cNvPr id="4" name="Stjerne med 5 tagger 3"/>
@@ -3159,10 +3327,9 @@
             <a:lstStyle/>
             <a:p>
               <a:r>
-                <a:rPr lang="nb-NO" sz="2000" dirty="0" smtClean="0"/>
+                <a:rPr lang="nb-NO" sz="2000" dirty="0"/>
                 <a:t>R1</a:t>
               </a:r>
-              <a:endParaRPr lang="nb-NO" sz="2000" dirty="0"/>
             </a:p>
           </p:txBody>
         </p:sp>
@@ -3247,7 +3414,7 @@
             <a:lstStyle/>
             <a:p>
               <a:r>
-                <a:rPr lang="nb-NO" sz="2000" dirty="0" smtClean="0"/>
+                <a:rPr lang="nb-NO" sz="2000" dirty="0"/>
                 <a:t>R2</a:t>
               </a:r>
             </a:p>
@@ -3262,10 +3429,10 @@
         </p:nvGrpSpPr>
         <p:grpSpPr>
           <a:xfrm>
-            <a:off x="8536247" y="3338845"/>
-            <a:ext cx="1068401" cy="541013"/>
-            <a:chOff x="6479131" y="2208810"/>
-            <a:chExt cx="620029" cy="313968"/>
+            <a:off x="8544699" y="2563408"/>
+            <a:ext cx="1068401" cy="549096"/>
+            <a:chOff x="6377959" y="1997029"/>
+            <a:chExt cx="620029" cy="318659"/>
           </a:xfrm>
         </p:grpSpPr>
         <p:sp>
@@ -3322,7 +3489,7 @@
           </p:nvSpPr>
           <p:spPr>
             <a:xfrm>
-              <a:off x="6479131" y="2290581"/>
+              <a:off x="6377959" y="1997029"/>
               <a:ext cx="620029" cy="232197"/>
             </a:xfrm>
             <a:prstGeom prst="rect">
@@ -3337,31 +3504,137 @@
             <a:lstStyle/>
             <a:p>
               <a:r>
-                <a:rPr lang="nb-NO" sz="2000" dirty="0" smtClean="0"/>
+                <a:rPr lang="nb-NO" sz="2000" dirty="0"/>
                 <a:t>A1,pred</a:t>
               </a:r>
-              <a:endParaRPr lang="nb-NO" sz="2000" dirty="0"/>
             </a:p>
           </p:txBody>
         </p:sp>
       </p:grpSp>
+      <p:sp>
+        <p:nvSpPr>
+          <p:cNvPr id="20" name="TekstSylinder 19"/>
+          <p:cNvSpPr txBox="1"/>
+          <p:nvPr/>
+        </p:nvSpPr>
+        <p:spPr>
+          <a:xfrm>
+            <a:off x="3422939" y="1162167"/>
+            <a:ext cx="1133430" cy="400109"/>
+          </a:xfrm>
+          <a:prstGeom prst="rect">
+            <a:avLst/>
+          </a:prstGeom>
+          <a:noFill/>
+        </p:spPr>
+        <p:txBody>
+          <a:bodyPr wrap="square" rtlCol="0">
+            <a:spAutoFit/>
+          </a:bodyPr>
+          <a:lstStyle/>
+          <a:p>
+            <a:r>
+              <a:rPr lang="nb-NO" sz="2000" dirty="0"/>
+              <a:t>A1-RAW</a:t>
+            </a:r>
+          </a:p>
+        </p:txBody>
+      </p:sp>
+      <p:cxnSp>
+        <p:nvCxnSpPr>
+          <p:cNvPr id="21" name="Rett pil 20"/>
+          <p:cNvCxnSpPr>
+            <a:cxnSpLocks/>
+          </p:cNvCxnSpPr>
+          <p:nvPr/>
+        </p:nvCxnSpPr>
+        <p:spPr>
+          <a:xfrm>
+            <a:off x="3546764" y="1911927"/>
+            <a:ext cx="6256127" cy="1429855"/>
+          </a:xfrm>
+          <a:prstGeom prst="straightConnector1">
+            <a:avLst/>
+          </a:prstGeom>
+          <a:ln w="28575">
+            <a:prstDash val="sysDot"/>
+            <a:tailEnd type="triangle"/>
+          </a:ln>
+        </p:spPr>
+        <p:style>
+          <a:lnRef idx="1">
+            <a:schemeClr val="accent1"/>
+          </a:lnRef>
+          <a:fillRef idx="0">
+            <a:schemeClr val="accent1"/>
+          </a:fillRef>
+          <a:effectRef idx="0">
+            <a:schemeClr val="accent1"/>
+          </a:effectRef>
+          <a:fontRef idx="minor">
+            <a:schemeClr val="tx1"/>
+          </a:fontRef>
+        </p:style>
+      </p:cxnSp>
+      <p:sp>
+        <p:nvSpPr>
+          <p:cNvPr id="29" name="Ellipse 28"/>
+          <p:cNvSpPr/>
+          <p:nvPr/>
+        </p:nvSpPr>
+        <p:spPr>
+          <a:xfrm>
+            <a:off x="7901268" y="1323908"/>
+            <a:ext cx="3928880" cy="3928880"/>
+          </a:xfrm>
+          <a:prstGeom prst="ellipse">
+            <a:avLst/>
+          </a:prstGeom>
+          <a:noFill/>
+          <a:ln w="19050"/>
+        </p:spPr>
+        <p:style>
+          <a:lnRef idx="2">
+            <a:schemeClr val="accent1">
+              <a:shade val="50000"/>
+            </a:schemeClr>
+          </a:lnRef>
+          <a:fillRef idx="1">
+            <a:schemeClr val="accent1"/>
+          </a:fillRef>
+          <a:effectRef idx="0">
+            <a:schemeClr val="accent1"/>
+          </a:effectRef>
+          <a:fontRef idx="minor">
+            <a:schemeClr val="lt1"/>
+          </a:fontRef>
+        </p:style>
+        <p:txBody>
+          <a:bodyPr rtlCol="0" anchor="ctr"/>
+          <a:lstStyle/>
+          <a:p>
+            <a:pPr algn="ctr"/>
+            <a:endParaRPr lang="nb-NO"/>
+          </a:p>
+        </p:txBody>
+      </p:sp>
       <p:grpSp>
         <p:nvGrpSpPr>
-          <p:cNvPr id="18" name="Gruppe 17"/>
+          <p:cNvPr id="22" name="Gruppe 21"/>
           <p:cNvGrpSpPr/>
           <p:nvPr/>
         </p:nvGrpSpPr>
         <p:grpSpPr>
           <a:xfrm>
-            <a:off x="3330858" y="1534879"/>
-            <a:ext cx="540301" cy="541013"/>
-            <a:chOff x="6582469" y="2208810"/>
-            <a:chExt cx="313555" cy="313968"/>
+            <a:off x="2075463" y="1553009"/>
+            <a:ext cx="1562340" cy="439637"/>
+            <a:chOff x="5886007" y="2060552"/>
+            <a:chExt cx="906679" cy="255136"/>
           </a:xfrm>
         </p:grpSpPr>
         <p:sp>
           <p:nvSpPr>
-            <p:cNvPr id="19" name="Ellipse 18"/>
+            <p:cNvPr id="23" name="Ellipse 22"/>
             <p:cNvSpPr/>
             <p:nvPr/>
           </p:nvSpPr>
@@ -3374,7 +3647,7 @@
               <a:avLst/>
             </a:prstGeom>
             <a:solidFill>
-              <a:srgbClr val="FF0000"/>
+              <a:srgbClr val="00B050"/>
             </a:solidFill>
             <a:ln>
               <a:noFill/>
@@ -3401,20 +3674,20 @@
             <a:lstStyle/>
             <a:p>
               <a:pPr algn="ctr"/>
-              <a:endParaRPr lang="nb-NO"/>
+              <a:endParaRPr lang="nb-NO" dirty="0"/>
             </a:p>
           </p:txBody>
         </p:sp>
         <p:sp>
           <p:nvSpPr>
-            <p:cNvPr id="20" name="TekstSylinder 19"/>
+            <p:cNvPr id="24" name="TekstSylinder 23"/>
             <p:cNvSpPr txBox="1"/>
             <p:nvPr/>
           </p:nvSpPr>
           <p:spPr>
             <a:xfrm>
-              <a:off x="6582469" y="2290581"/>
-              <a:ext cx="313555" cy="232197"/>
+              <a:off x="5886007" y="2060552"/>
+              <a:ext cx="896587" cy="232198"/>
             </a:xfrm>
             <a:prstGeom prst="rect">
               <a:avLst/>
@@ -3428,42 +3701,172 @@
             <a:lstStyle/>
             <a:p>
               <a:r>
-                <a:rPr lang="nb-NO" sz="2000" dirty="0" smtClean="0"/>
-                <a:t>A1</a:t>
+                <a:rPr lang="nb-NO" sz="2000" dirty="0"/>
+                <a:t>A1-FILTERED</a:t>
               </a:r>
-              <a:endParaRPr lang="nb-NO" sz="2000" dirty="0"/>
+            </a:p>
+          </p:txBody>
+        </p:sp>
+      </p:grpSp>
+      <p:grpSp>
+        <p:nvGrpSpPr>
+          <p:cNvPr id="25" name="Gruppe 24"/>
+          <p:cNvGrpSpPr/>
+          <p:nvPr/>
+        </p:nvGrpSpPr>
+        <p:grpSpPr>
+          <a:xfrm>
+            <a:off x="3005408" y="2384015"/>
+            <a:ext cx="687676" cy="587984"/>
+            <a:chOff x="6500482" y="2208810"/>
+            <a:chExt cx="399082" cy="341227"/>
+          </a:xfrm>
+        </p:grpSpPr>
+        <p:sp>
+          <p:nvSpPr>
+            <p:cNvPr id="26" name="Ellipse 25"/>
+            <p:cNvSpPr/>
+            <p:nvPr/>
+          </p:nvSpPr>
+          <p:spPr>
+            <a:xfrm>
+              <a:off x="6685808" y="2208810"/>
+              <a:ext cx="106878" cy="106878"/>
+            </a:xfrm>
+            <a:prstGeom prst="ellipse">
+              <a:avLst/>
+            </a:prstGeom>
+            <a:solidFill>
+              <a:schemeClr val="tx1"/>
+            </a:solidFill>
+            <a:ln>
+              <a:noFill/>
+            </a:ln>
+          </p:spPr>
+          <p:style>
+            <a:lnRef idx="2">
+              <a:schemeClr val="accent1">
+                <a:shade val="50000"/>
+              </a:schemeClr>
+            </a:lnRef>
+            <a:fillRef idx="1">
+              <a:schemeClr val="accent1"/>
+            </a:fillRef>
+            <a:effectRef idx="0">
+              <a:schemeClr val="accent1"/>
+            </a:effectRef>
+            <a:fontRef idx="minor">
+              <a:schemeClr val="lt1"/>
+            </a:fontRef>
+          </p:style>
+          <p:txBody>
+            <a:bodyPr rtlCol="0" anchor="ctr"/>
+            <a:lstStyle/>
+            <a:p>
+              <a:pPr algn="ctr"/>
+              <a:endParaRPr lang="nb-NO" dirty="0"/>
+            </a:p>
+          </p:txBody>
+        </p:sp>
+        <p:sp>
+          <p:nvSpPr>
+            <p:cNvPr id="27" name="TekstSylinder 26"/>
+            <p:cNvSpPr txBox="1"/>
+            <p:nvPr/>
+          </p:nvSpPr>
+          <p:spPr>
+            <a:xfrm>
+              <a:off x="6500482" y="2315688"/>
+              <a:ext cx="399082" cy="234349"/>
+            </a:xfrm>
+            <a:prstGeom prst="rect">
+              <a:avLst/>
+            </a:prstGeom>
+            <a:noFill/>
+          </p:spPr>
+          <p:txBody>
+            <a:bodyPr wrap="square" rtlCol="0">
+              <a:spAutoFit/>
+            </a:bodyPr>
+            <a:lstStyle/>
+            <a:p>
+              <a:r>
+                <a:rPr lang="nb-NO" sz="2000" dirty="0"/>
+                <a:t>P-A1</a:t>
+              </a:r>
             </a:p>
           </p:txBody>
         </p:sp>
       </p:grpSp>
       <p:cxnSp>
         <p:nvCxnSpPr>
-          <p:cNvPr id="21" name="Rett pil 20"/>
-          <p:cNvCxnSpPr/>
+          <p:cNvPr id="5" name="Rett pilkobling 4"/>
+          <p:cNvCxnSpPr>
+            <a:cxnSpLocks/>
+          </p:cNvCxnSpPr>
           <p:nvPr/>
         </p:nvCxnSpPr>
         <p:spPr>
           <a:xfrm>
-            <a:off x="264112" y="1424900"/>
-            <a:ext cx="9599464" cy="542544"/>
+            <a:off x="3666120" y="1561847"/>
+            <a:ext cx="432805" cy="103880"/>
           </a:xfrm>
           <a:prstGeom prst="straightConnector1">
             <a:avLst/>
           </a:prstGeom>
-          <a:ln w="28575">
+          <a:ln w="50800">
+            <a:solidFill>
+              <a:srgbClr val="FF0000"/>
+            </a:solidFill>
+            <a:headEnd type="oval"/>
+            <a:tailEnd type="triangle"/>
+          </a:ln>
+        </p:spPr>
+        <p:style>
+          <a:lnRef idx="1">
+            <a:schemeClr val="accent2"/>
+          </a:lnRef>
+          <a:fillRef idx="0">
+            <a:schemeClr val="accent2"/>
+          </a:fillRef>
+          <a:effectRef idx="0">
+            <a:schemeClr val="accent2"/>
+          </a:effectRef>
+          <a:fontRef idx="minor">
+            <a:schemeClr val="tx1"/>
+          </a:fontRef>
+        </p:style>
+      </p:cxnSp>
+      <p:cxnSp>
+        <p:nvCxnSpPr>
+          <p:cNvPr id="35" name="Rett linje 34"/>
+          <p:cNvCxnSpPr>
+            <a:cxnSpLocks/>
+          </p:cNvCxnSpPr>
+          <p:nvPr/>
+        </p:nvCxnSpPr>
+        <p:spPr>
+          <a:xfrm>
+            <a:off x="3666120" y="1561847"/>
+            <a:ext cx="5507344" cy="1423748"/>
+          </a:xfrm>
+          <a:prstGeom prst="line">
+            <a:avLst/>
+          </a:prstGeom>
+          <a:ln w="12700">
             <a:prstDash val="sysDot"/>
             <a:tailEnd type="triangle"/>
           </a:ln>
         </p:spPr>
         <p:style>
           <a:lnRef idx="1">
-            <a:schemeClr val="accent1"/>
+            <a:schemeClr val="accent2"/>
           </a:lnRef>
           <a:fillRef idx="0">
-            <a:schemeClr val="accent1"/>
+            <a:schemeClr val="accent2"/>
           </a:fillRef>
           <a:effectRef idx="0">
-            <a:schemeClr val="accent1"/>
+            <a:schemeClr val="accent2"/>
           </a:effectRef>
           <a:fontRef idx="minor">
             <a:schemeClr val="tx1"/>
@@ -3472,43 +3875,42 @@
       </p:cxnSp>
       <p:sp>
         <p:nvSpPr>
-          <p:cNvPr id="29" name="Ellipse 28"/>
-          <p:cNvSpPr/>
+          <p:cNvPr id="50" name="TekstSylinder 49"/>
+          <p:cNvSpPr txBox="1"/>
           <p:nvPr/>
         </p:nvSpPr>
         <p:spPr>
           <a:xfrm>
-            <a:off x="7824370" y="203200"/>
-            <a:ext cx="3928880" cy="3928880"/>
+            <a:off x="0" y="762057"/>
+            <a:ext cx="2046637" cy="400110"/>
           </a:xfrm>
-          <a:prstGeom prst="ellipse">
+          <a:prstGeom prst="rect">
             <a:avLst/>
           </a:prstGeom>
           <a:noFill/>
-          <a:ln w="19050"/>
         </p:spPr>
-        <p:style>
-          <a:lnRef idx="2">
-            <a:schemeClr val="accent1">
-              <a:shade val="50000"/>
-            </a:schemeClr>
-          </a:lnRef>
-          <a:fillRef idx="1">
-            <a:schemeClr val="accent1"/>
-          </a:fillRef>
-          <a:effectRef idx="0">
-            <a:schemeClr val="accent1"/>
-          </a:effectRef>
-          <a:fontRef idx="minor">
-            <a:schemeClr val="lt1"/>
-          </a:fontRef>
-        </p:style>
-        <p:txBody>
-          <a:bodyPr rtlCol="0" anchor="ctr"/>
-          <a:lstStyle/>
-          <a:p>
-            <a:pPr algn="ctr"/>
-            <a:endParaRPr lang="nb-NO"/>
+        <p:txBody>
+          <a:bodyPr wrap="square" rtlCol="0">
+            <a:spAutoFit/>
+          </a:bodyPr>
+          <a:lstStyle/>
+          <a:p>
+            <a:r>
+              <a:rPr lang="nb-NO" sz="2000" dirty="0" err="1"/>
+              <a:t>Current</a:t>
+            </a:r>
+            <a:r>
+              <a:rPr lang="nb-NO" sz="2000" dirty="0"/>
+              <a:t> </a:t>
+            </a:r>
+            <a:r>
+              <a:rPr lang="nb-NO" sz="2000" dirty="0" err="1"/>
+              <a:t>leaf</a:t>
+            </a:r>
+            <a:r>
+              <a:rPr lang="nb-NO" sz="2000" dirty="0"/>
+              <a:t> node</a:t>
+            </a:r>
           </a:p>
         </p:txBody>
       </p:sp>

--- a/Figures/AIS_gating.pptx
+++ b/Figures/AIS_gating.pptx
@@ -245,7 +245,7 @@
           <a:p>
             <a:fld id="{B7618162-1DE7-5E46-B728-C733B3AF3B1C}" type="datetimeFigureOut">
               <a:rPr lang="nb-NO" smtClean="0"/>
-              <a:t>03.05.2017</a:t>
+              <a:t>17.05.2017</a:t>
             </a:fld>
             <a:endParaRPr lang="nb-NO"/>
           </a:p>
@@ -413,7 +413,7 @@
           <a:p>
             <a:fld id="{B7618162-1DE7-5E46-B728-C733B3AF3B1C}" type="datetimeFigureOut">
               <a:rPr lang="nb-NO" smtClean="0"/>
-              <a:t>03.05.2017</a:t>
+              <a:t>17.05.2017</a:t>
             </a:fld>
             <a:endParaRPr lang="nb-NO"/>
           </a:p>
@@ -591,7 +591,7 @@
           <a:p>
             <a:fld id="{B7618162-1DE7-5E46-B728-C733B3AF3B1C}" type="datetimeFigureOut">
               <a:rPr lang="nb-NO" smtClean="0"/>
-              <a:t>03.05.2017</a:t>
+              <a:t>17.05.2017</a:t>
             </a:fld>
             <a:endParaRPr lang="nb-NO"/>
           </a:p>
@@ -759,7 +759,7 @@
           <a:p>
             <a:fld id="{B7618162-1DE7-5E46-B728-C733B3AF3B1C}" type="datetimeFigureOut">
               <a:rPr lang="nb-NO" smtClean="0"/>
-              <a:t>03.05.2017</a:t>
+              <a:t>17.05.2017</a:t>
             </a:fld>
             <a:endParaRPr lang="nb-NO"/>
           </a:p>
@@ -1004,7 +1004,7 @@
           <a:p>
             <a:fld id="{B7618162-1DE7-5E46-B728-C733B3AF3B1C}" type="datetimeFigureOut">
               <a:rPr lang="nb-NO" smtClean="0"/>
-              <a:t>03.05.2017</a:t>
+              <a:t>17.05.2017</a:t>
             </a:fld>
             <a:endParaRPr lang="nb-NO"/>
           </a:p>
@@ -1233,7 +1233,7 @@
           <a:p>
             <a:fld id="{B7618162-1DE7-5E46-B728-C733B3AF3B1C}" type="datetimeFigureOut">
               <a:rPr lang="nb-NO" smtClean="0"/>
-              <a:t>03.05.2017</a:t>
+              <a:t>17.05.2017</a:t>
             </a:fld>
             <a:endParaRPr lang="nb-NO"/>
           </a:p>
@@ -1597,7 +1597,7 @@
           <a:p>
             <a:fld id="{B7618162-1DE7-5E46-B728-C733B3AF3B1C}" type="datetimeFigureOut">
               <a:rPr lang="nb-NO" smtClean="0"/>
-              <a:t>03.05.2017</a:t>
+              <a:t>17.05.2017</a:t>
             </a:fld>
             <a:endParaRPr lang="nb-NO"/>
           </a:p>
@@ -1714,7 +1714,7 @@
           <a:p>
             <a:fld id="{B7618162-1DE7-5E46-B728-C733B3AF3B1C}" type="datetimeFigureOut">
               <a:rPr lang="nb-NO" smtClean="0"/>
-              <a:t>03.05.2017</a:t>
+              <a:t>17.05.2017</a:t>
             </a:fld>
             <a:endParaRPr lang="nb-NO"/>
           </a:p>
@@ -1809,7 +1809,7 @@
           <a:p>
             <a:fld id="{B7618162-1DE7-5E46-B728-C733B3AF3B1C}" type="datetimeFigureOut">
               <a:rPr lang="nb-NO" smtClean="0"/>
-              <a:t>03.05.2017</a:t>
+              <a:t>17.05.2017</a:t>
             </a:fld>
             <a:endParaRPr lang="nb-NO"/>
           </a:p>
@@ -2084,7 +2084,7 @@
           <a:p>
             <a:fld id="{B7618162-1DE7-5E46-B728-C733B3AF3B1C}" type="datetimeFigureOut">
               <a:rPr lang="nb-NO" smtClean="0"/>
-              <a:t>03.05.2017</a:t>
+              <a:t>17.05.2017</a:t>
             </a:fld>
             <a:endParaRPr lang="nb-NO"/>
           </a:p>
@@ -2336,7 +2336,7 @@
           <a:p>
             <a:fld id="{B7618162-1DE7-5E46-B728-C733B3AF3B1C}" type="datetimeFigureOut">
               <a:rPr lang="nb-NO" smtClean="0"/>
-              <a:t>03.05.2017</a:t>
+              <a:t>17.05.2017</a:t>
             </a:fld>
             <a:endParaRPr lang="nb-NO"/>
           </a:p>
@@ -2547,7 +2547,7 @@
           <a:p>
             <a:fld id="{B7618162-1DE7-5E46-B728-C733B3AF3B1C}" type="datetimeFigureOut">
               <a:rPr lang="nb-NO" smtClean="0"/>
-              <a:t>03.05.2017</a:t>
+              <a:t>17.05.2017</a:t>
             </a:fld>
             <a:endParaRPr lang="nb-NO"/>
           </a:p>
@@ -2952,96 +2952,52 @@
           <a:chExt cx="0" cy="0"/>
         </a:xfrm>
       </p:grpSpPr>
-      <p:grpSp>
-        <p:nvGrpSpPr>
-          <p:cNvPr id="32" name="Gruppe 31"/>
-          <p:cNvGrpSpPr/>
+      <p:sp>
+        <p:nvSpPr>
+          <p:cNvPr id="33" name="Ellipse 32"/>
+          <p:cNvSpPr/>
           <p:nvPr/>
-        </p:nvGrpSpPr>
-        <p:grpSpPr>
+        </p:nvSpPr>
+        <p:spPr>
           <a:xfrm>
-            <a:off x="9393339" y="3260727"/>
-            <a:ext cx="540301" cy="584276"/>
-            <a:chOff x="6500482" y="2208810"/>
-            <a:chExt cx="313555" cy="339075"/>
+            <a:off x="9712659" y="3260717"/>
+            <a:ext cx="184166" cy="184166"/>
           </a:xfrm>
-        </p:grpSpPr>
-        <p:sp>
-          <p:nvSpPr>
-            <p:cNvPr id="33" name="Ellipse 32"/>
-            <p:cNvSpPr/>
-            <p:nvPr/>
-          </p:nvSpPr>
-          <p:spPr>
-            <a:xfrm>
-              <a:off x="6685808" y="2208810"/>
-              <a:ext cx="106878" cy="106878"/>
-            </a:xfrm>
-            <a:prstGeom prst="ellipse">
-              <a:avLst/>
-            </a:prstGeom>
-            <a:solidFill>
-              <a:schemeClr val="tx1"/>
-            </a:solidFill>
-            <a:ln>
-              <a:noFill/>
-            </a:ln>
-          </p:spPr>
-          <p:style>
-            <a:lnRef idx="2">
-              <a:schemeClr val="accent1">
-                <a:shade val="50000"/>
-              </a:schemeClr>
-            </a:lnRef>
-            <a:fillRef idx="1">
-              <a:schemeClr val="accent1"/>
-            </a:fillRef>
-            <a:effectRef idx="0">
-              <a:schemeClr val="accent1"/>
-            </a:effectRef>
-            <a:fontRef idx="minor">
-              <a:schemeClr val="lt1"/>
-            </a:fontRef>
-          </p:style>
-          <p:txBody>
-            <a:bodyPr rtlCol="0" anchor="ctr"/>
-            <a:lstStyle/>
-            <a:p>
-              <a:pPr algn="ctr"/>
-              <a:endParaRPr lang="nb-NO" dirty="0"/>
-            </a:p>
-          </p:txBody>
-        </p:sp>
-        <p:sp>
-          <p:nvSpPr>
-            <p:cNvPr id="34" name="TekstSylinder 33"/>
-            <p:cNvSpPr txBox="1"/>
-            <p:nvPr/>
-          </p:nvSpPr>
-          <p:spPr>
-            <a:xfrm>
-              <a:off x="6500482" y="2315688"/>
-              <a:ext cx="313555" cy="232197"/>
-            </a:xfrm>
-            <a:prstGeom prst="rect">
-              <a:avLst/>
-            </a:prstGeom>
+          <a:prstGeom prst="ellipse">
+            <a:avLst/>
+          </a:prstGeom>
+          <a:solidFill>
+            <a:schemeClr val="tx1"/>
+          </a:solidFill>
+          <a:ln>
             <a:noFill/>
-          </p:spPr>
-          <p:txBody>
-            <a:bodyPr wrap="square" rtlCol="0">
-              <a:spAutoFit/>
-            </a:bodyPr>
-            <a:lstStyle/>
-            <a:p>
-              <a:r>
-                <a:rPr lang="nb-NO" sz="2000" dirty="0"/>
-                <a:t>P2</a:t>
-              </a:r>
-            </a:p>
-          </p:txBody>
-        </p:sp>
-      </p:grpSp>
+          </a:ln>
+        </p:spPr>
+        <p:style>
+          <a:lnRef idx="2">
+            <a:schemeClr val="accent1">
+              <a:shade val="50000"/>
+            </a:schemeClr>
+          </a:lnRef>
+          <a:fillRef idx="1">
+            <a:schemeClr val="accent1"/>
+          </a:fillRef>
+          <a:effectRef idx="0">
+            <a:schemeClr val="accent1"/>
+          </a:effectRef>
+          <a:fontRef idx="minor">
+            <a:schemeClr val="lt1"/>
+          </a:fontRef>
+        </p:style>
+        <p:txBody>
+          <a:bodyPr rtlCol="0" anchor="ctr"/>
+          <a:lstStyle/>
+          <a:p>
+            <a:pPr algn="ctr"/>
+            <a:endParaRPr lang="nb-NO" dirty="0"/>
+          </a:p>
+        </p:txBody>
+      </p:sp>
       <p:grpSp>
         <p:nvGrpSpPr>
           <p:cNvPr id="28" name="Gruppe 27"/>
@@ -3050,10 +3006,10 @@
         </p:nvGrpSpPr>
         <p:grpSpPr>
           <a:xfrm>
-            <a:off x="9505082" y="4570026"/>
-            <a:ext cx="540301" cy="584276"/>
-            <a:chOff x="6500482" y="2208810"/>
-            <a:chExt cx="313555" cy="339075"/>
+            <a:off x="9824422" y="4265250"/>
+            <a:ext cx="662651" cy="735139"/>
+            <a:chOff x="6685808" y="2031934"/>
+            <a:chExt cx="384559" cy="426625"/>
           </a:xfrm>
         </p:grpSpPr>
         <p:sp>
@@ -3102,76 +3058,170 @@
             </a:p>
           </p:txBody>
         </p:sp>
-        <p:sp>
-          <p:nvSpPr>
-            <p:cNvPr id="31" name="TekstSylinder 30"/>
-            <p:cNvSpPr txBox="1"/>
-            <p:nvPr/>
-          </p:nvSpPr>
-          <p:spPr>
-            <a:xfrm>
-              <a:off x="6500482" y="2315688"/>
-              <a:ext cx="313555" cy="232197"/>
-            </a:xfrm>
-            <a:prstGeom prst="rect">
-              <a:avLst/>
-            </a:prstGeom>
-            <a:noFill/>
-          </p:spPr>
-          <p:txBody>
-            <a:bodyPr wrap="square" rtlCol="0">
-              <a:spAutoFit/>
-            </a:bodyPr>
-            <a:lstStyle/>
-            <a:p>
-              <a:r>
-                <a:rPr lang="nb-NO" sz="2000" dirty="0"/>
-                <a:t>P1</a:t>
-              </a:r>
-            </a:p>
-          </p:txBody>
-        </p:sp>
+        <mc:AlternateContent xmlns:mc="http://schemas.openxmlformats.org/markup-compatibility/2006">
+          <mc:Choice xmlns:a14="http://schemas.microsoft.com/office/drawing/2010/main" Requires="a14">
+            <p:sp>
+              <p:nvSpPr>
+                <p:cNvPr id="31" name="TekstSylinder 30"/>
+                <p:cNvSpPr txBox="1"/>
+                <p:nvPr/>
+              </p:nvSpPr>
+              <p:spPr>
+                <a:xfrm>
+                  <a:off x="6756812" y="2031934"/>
+                  <a:ext cx="313555" cy="426625"/>
+                </a:xfrm>
+                <a:prstGeom prst="rect">
+                  <a:avLst/>
+                </a:prstGeom>
+                <a:noFill/>
+              </p:spPr>
+              <p:txBody>
+                <a:bodyPr wrap="square" rtlCol="0">
+                  <a:spAutoFit/>
+                </a:bodyPr>
+                <a:lstStyle/>
+                <a:p>
+                  <a:pPr/>
+                  <a14:m>
+                    <m:oMath xmlns:m="http://schemas.openxmlformats.org/officeDocument/2006/math">
+                      <m:sSub>
+                        <m:sSubPr>
+                          <m:ctrlPr>
+                            <a:rPr lang="en-US" sz="2000" i="1" smtClean="0">
+                              <a:latin typeface="Cambria Math" charset="0"/>
+                            </a:rPr>
+                          </m:ctrlPr>
+                        </m:sSubPr>
+                        <m:e>
+                          <m:acc>
+                            <m:accPr>
+                              <m:chr m:val="̅"/>
+                              <m:ctrlPr>
+                                <a:rPr lang="nb-NO" sz="2000" i="1">
+                                  <a:latin typeface="Cambria Math" charset="0"/>
+                                </a:rPr>
+                              </m:ctrlPr>
+                            </m:accPr>
+                            <m:e>
+                              <m:r>
+                                <a:rPr lang="nb-NO" sz="2000" i="1">
+                                  <a:latin typeface="Cambria Math" charset="0"/>
+                                </a:rPr>
+                                <m:t>𝑥</m:t>
+                              </m:r>
+                            </m:e>
+                          </m:acc>
+                        </m:e>
+                        <m:sub>
+                          <m:r>
+                            <a:rPr lang="nb-NO" sz="2000" b="0" i="1" smtClean="0">
+                              <a:latin typeface="Cambria Math" charset="0"/>
+                            </a:rPr>
+                            <m:t>1</m:t>
+                          </m:r>
+                        </m:sub>
+                      </m:sSub>
+                    </m:oMath>
+                  </a14:m>
+                  <a:r>
+                    <a:rPr lang="nb-NO" sz="2000" dirty="0" smtClean="0"/>
+                    <a:t>,</a:t>
+                  </a:r>
+                </a:p>
+                <a:p>
+                  <a:pPr/>
+                  <a14:m>
+                    <m:oMathPara xmlns:m="http://schemas.openxmlformats.org/officeDocument/2006/math">
+                      <m:oMathParaPr>
+                        <m:jc m:val="left"/>
+                      </m:oMathParaPr>
+                      <m:oMath xmlns:m="http://schemas.openxmlformats.org/officeDocument/2006/math">
+                        <m:sSub>
+                          <m:sSubPr>
+                            <m:ctrlPr>
+                              <a:rPr lang="en-US" sz="2000" i="1">
+                                <a:latin typeface="Cambria Math" charset="0"/>
+                              </a:rPr>
+                            </m:ctrlPr>
+                          </m:sSubPr>
+                          <m:e>
+                            <m:acc>
+                              <m:accPr>
+                                <m:chr m:val="̅"/>
+                                <m:ctrlPr>
+                                  <a:rPr lang="nb-NO" sz="2000" i="1">
+                                    <a:latin typeface="Cambria Math" charset="0"/>
+                                  </a:rPr>
+                                </m:ctrlPr>
+                              </m:accPr>
+                              <m:e>
+                                <m:r>
+                                  <a:rPr lang="nb-NO" sz="2000" b="0" i="1" smtClean="0">
+                                    <a:latin typeface="Cambria Math" charset="0"/>
+                                  </a:rPr>
+                                  <m:t>𝑃</m:t>
+                                </m:r>
+                              </m:e>
+                            </m:acc>
+                          </m:e>
+                          <m:sub>
+                            <m:r>
+                              <a:rPr lang="nb-NO" sz="2000" i="1">
+                                <a:latin typeface="Cambria Math" charset="0"/>
+                              </a:rPr>
+                              <m:t>1</m:t>
+                            </m:r>
+                          </m:sub>
+                        </m:sSub>
+                      </m:oMath>
+                    </m:oMathPara>
+                  </a14:m>
+                  <a:endParaRPr lang="nb-NO" sz="2000" dirty="0"/>
+                </a:p>
+              </p:txBody>
+            </p:sp>
+          </mc:Choice>
+          <mc:Fallback>
+            <p:sp>
+              <p:nvSpPr>
+                <p:cNvPr id="31" name="TekstSylinder 30"/>
+                <p:cNvSpPr txBox="1">
+                  <a:spLocks noRot="1" noChangeAspect="1" noMove="1" noResize="1" noEditPoints="1" noAdjustHandles="1" noChangeArrowheads="1" noChangeShapeType="1" noTextEdit="1"/>
+                </p:cNvSpPr>
+                <p:nvPr/>
+              </p:nvSpPr>
+              <p:spPr>
+                <a:xfrm>
+                  <a:off x="6756812" y="2031934"/>
+                  <a:ext cx="313555" cy="426625"/>
+                </a:xfrm>
+                <a:prstGeom prst="rect">
+                  <a:avLst/>
+                </a:prstGeom>
+                <a:blipFill rotWithShape="0">
+                  <a:blip r:embed="rId2"/>
+                  <a:stretch>
+                    <a:fillRect t="-5000" r="-12500"/>
+                  </a:stretch>
+                </a:blipFill>
+              </p:spPr>
+              <p:txBody>
+                <a:bodyPr/>
+                <a:lstStyle/>
+                <a:p>
+                  <a:r>
+                    <a:rPr lang="nb-NO">
+                      <a:noFill/>
+                    </a:rPr>
+                    <a:t> </a:t>
+                  </a:r>
+                </a:p>
+              </p:txBody>
+            </p:sp>
+          </mc:Fallback>
+        </mc:AlternateContent>
       </p:grpSp>
-      <p:sp>
-        <p:nvSpPr>
-          <p:cNvPr id="4" name="Stjerne med 5 tagger 3"/>
-          <p:cNvSpPr/>
-          <p:nvPr/>
-        </p:nvSpPr>
-        <p:spPr>
-          <a:xfrm>
-            <a:off x="39021" y="1158879"/>
-            <a:ext cx="450184" cy="450184"/>
-          </a:xfrm>
-          <a:prstGeom prst="star5">
-            <a:avLst/>
-          </a:prstGeom>
-        </p:spPr>
-        <p:style>
-          <a:lnRef idx="2">
-            <a:schemeClr val="accent1">
-              <a:shade val="50000"/>
-            </a:schemeClr>
-          </a:lnRef>
-          <a:fillRef idx="1">
-            <a:schemeClr val="accent1"/>
-          </a:fillRef>
-          <a:effectRef idx="0">
-            <a:schemeClr val="accent1"/>
-          </a:effectRef>
-          <a:fontRef idx="minor">
-            <a:schemeClr val="lt1"/>
-          </a:fontRef>
-        </p:style>
-        <p:txBody>
-          <a:bodyPr rtlCol="0" anchor="ctr"/>
-          <a:lstStyle/>
-          <a:p>
-            <a:pPr algn="ctr"/>
-            <a:endParaRPr lang="nb-NO"/>
-          </a:p>
-        </p:txBody>
-      </p:sp>
       <p:cxnSp>
         <p:nvCxnSpPr>
           <p:cNvPr id="6" name="Rett pil 5"/>
@@ -3429,10 +3479,10 @@
         </p:nvGrpSpPr>
         <p:grpSpPr>
           <a:xfrm>
-            <a:off x="8544699" y="2563408"/>
-            <a:ext cx="1068401" cy="549096"/>
-            <a:chOff x="6377959" y="1997029"/>
-            <a:chExt cx="620029" cy="318659"/>
+            <a:off x="8540967" y="2221436"/>
+            <a:ext cx="1068401" cy="891066"/>
+            <a:chOff x="6375793" y="1798572"/>
+            <a:chExt cx="620029" cy="517116"/>
           </a:xfrm>
         </p:grpSpPr>
         <p:sp>
@@ -3489,7 +3539,7 @@
           </p:nvSpPr>
           <p:spPr>
             <a:xfrm>
-              <a:off x="6377959" y="1997029"/>
+              <a:off x="6375793" y="1798572"/>
               <a:ext cx="620029" cy="232197"/>
             </a:xfrm>
             <a:prstGeom prst="rect">
@@ -3708,96 +3758,52 @@
           </p:txBody>
         </p:sp>
       </p:grpSp>
-      <p:grpSp>
-        <p:nvGrpSpPr>
-          <p:cNvPr id="25" name="Gruppe 24"/>
-          <p:cNvGrpSpPr/>
+      <p:sp>
+        <p:nvSpPr>
+          <p:cNvPr id="26" name="Ellipse 25"/>
+          <p:cNvSpPr/>
           <p:nvPr/>
-        </p:nvGrpSpPr>
-        <p:grpSpPr>
+        </p:nvSpPr>
+        <p:spPr>
           <a:xfrm>
-            <a:off x="3005408" y="2384015"/>
-            <a:ext cx="687676" cy="587984"/>
-            <a:chOff x="6500482" y="2208810"/>
-            <a:chExt cx="399082" cy="341227"/>
+            <a:off x="3324736" y="2384006"/>
+            <a:ext cx="184166" cy="184166"/>
           </a:xfrm>
-        </p:grpSpPr>
-        <p:sp>
-          <p:nvSpPr>
-            <p:cNvPr id="26" name="Ellipse 25"/>
-            <p:cNvSpPr/>
-            <p:nvPr/>
-          </p:nvSpPr>
-          <p:spPr>
-            <a:xfrm>
-              <a:off x="6685808" y="2208810"/>
-              <a:ext cx="106878" cy="106878"/>
-            </a:xfrm>
-            <a:prstGeom prst="ellipse">
-              <a:avLst/>
-            </a:prstGeom>
-            <a:solidFill>
-              <a:schemeClr val="tx1"/>
-            </a:solidFill>
-            <a:ln>
-              <a:noFill/>
-            </a:ln>
-          </p:spPr>
-          <p:style>
-            <a:lnRef idx="2">
-              <a:schemeClr val="accent1">
-                <a:shade val="50000"/>
-              </a:schemeClr>
-            </a:lnRef>
-            <a:fillRef idx="1">
-              <a:schemeClr val="accent1"/>
-            </a:fillRef>
-            <a:effectRef idx="0">
-              <a:schemeClr val="accent1"/>
-            </a:effectRef>
-            <a:fontRef idx="minor">
-              <a:schemeClr val="lt1"/>
-            </a:fontRef>
-          </p:style>
-          <p:txBody>
-            <a:bodyPr rtlCol="0" anchor="ctr"/>
-            <a:lstStyle/>
-            <a:p>
-              <a:pPr algn="ctr"/>
-              <a:endParaRPr lang="nb-NO" dirty="0"/>
-            </a:p>
-          </p:txBody>
-        </p:sp>
-        <p:sp>
-          <p:nvSpPr>
-            <p:cNvPr id="27" name="TekstSylinder 26"/>
-            <p:cNvSpPr txBox="1"/>
-            <p:nvPr/>
-          </p:nvSpPr>
-          <p:spPr>
-            <a:xfrm>
-              <a:off x="6500482" y="2315688"/>
-              <a:ext cx="399082" cy="234349"/>
-            </a:xfrm>
-            <a:prstGeom prst="rect">
-              <a:avLst/>
-            </a:prstGeom>
+          <a:prstGeom prst="ellipse">
+            <a:avLst/>
+          </a:prstGeom>
+          <a:solidFill>
+            <a:schemeClr val="tx1"/>
+          </a:solidFill>
+          <a:ln>
             <a:noFill/>
-          </p:spPr>
-          <p:txBody>
-            <a:bodyPr wrap="square" rtlCol="0">
-              <a:spAutoFit/>
-            </a:bodyPr>
-            <a:lstStyle/>
-            <a:p>
-              <a:r>
-                <a:rPr lang="nb-NO" sz="2000" dirty="0"/>
-                <a:t>P-A1</a:t>
-              </a:r>
-            </a:p>
-          </p:txBody>
-        </p:sp>
-      </p:grpSp>
+          </a:ln>
+        </p:spPr>
+        <p:style>
+          <a:lnRef idx="2">
+            <a:schemeClr val="accent1">
+              <a:shade val="50000"/>
+            </a:schemeClr>
+          </a:lnRef>
+          <a:fillRef idx="1">
+            <a:schemeClr val="accent1"/>
+          </a:fillRef>
+          <a:effectRef idx="0">
+            <a:schemeClr val="accent1"/>
+          </a:effectRef>
+          <a:fontRef idx="minor">
+            <a:schemeClr val="lt1"/>
+          </a:fontRef>
+        </p:style>
+        <p:txBody>
+          <a:bodyPr rtlCol="0" anchor="ctr"/>
+          <a:lstStyle/>
+          <a:p>
+            <a:pPr algn="ctr"/>
+            <a:endParaRPr lang="nb-NO" dirty="0"/>
+          </a:p>
+        </p:txBody>
+      </p:sp>
       <p:cxnSp>
         <p:nvCxnSpPr>
           <p:cNvPr id="5" name="Rett pilkobling 4"/>
@@ -3914,6 +3920,423 @@
           </a:p>
         </p:txBody>
       </p:sp>
+      <p:grpSp>
+        <p:nvGrpSpPr>
+          <p:cNvPr id="36" name="Gruppe 35"/>
+          <p:cNvGrpSpPr/>
+          <p:nvPr/>
+        </p:nvGrpSpPr>
+        <p:grpSpPr>
+          <a:xfrm>
+            <a:off x="125007" y="1327654"/>
+            <a:ext cx="540301" cy="1080743"/>
+            <a:chOff x="6635908" y="2208810"/>
+            <a:chExt cx="313555" cy="627191"/>
+          </a:xfrm>
+        </p:grpSpPr>
+        <p:sp>
+          <p:nvSpPr>
+            <p:cNvPr id="37" name="Ellipse 36"/>
+            <p:cNvSpPr/>
+            <p:nvPr/>
+          </p:nvSpPr>
+          <p:spPr>
+            <a:xfrm>
+              <a:off x="6685808" y="2208810"/>
+              <a:ext cx="106878" cy="106878"/>
+            </a:xfrm>
+            <a:prstGeom prst="ellipse">
+              <a:avLst/>
+            </a:prstGeom>
+            <a:solidFill>
+              <a:schemeClr val="tx1"/>
+            </a:solidFill>
+            <a:ln>
+              <a:noFill/>
+            </a:ln>
+          </p:spPr>
+          <p:style>
+            <a:lnRef idx="2">
+              <a:schemeClr val="accent1">
+                <a:shade val="50000"/>
+              </a:schemeClr>
+            </a:lnRef>
+            <a:fillRef idx="1">
+              <a:schemeClr val="accent1"/>
+            </a:fillRef>
+            <a:effectRef idx="0">
+              <a:schemeClr val="accent1"/>
+            </a:effectRef>
+            <a:fontRef idx="minor">
+              <a:schemeClr val="lt1"/>
+            </a:fontRef>
+          </p:style>
+          <p:txBody>
+            <a:bodyPr rtlCol="0" anchor="ctr"/>
+            <a:lstStyle/>
+            <a:p>
+              <a:pPr algn="ctr"/>
+              <a:endParaRPr lang="nb-NO" dirty="0"/>
+            </a:p>
+          </p:txBody>
+        </p:sp>
+        <p:sp>
+          <p:nvSpPr>
+            <p:cNvPr id="38" name="TekstSylinder 37"/>
+            <p:cNvSpPr txBox="1"/>
+            <p:nvPr/>
+          </p:nvSpPr>
+          <p:spPr>
+            <a:xfrm>
+              <a:off x="6635908" y="2425191"/>
+              <a:ext cx="313555" cy="410810"/>
+            </a:xfrm>
+            <a:prstGeom prst="rect">
+              <a:avLst/>
+            </a:prstGeom>
+            <a:noFill/>
+          </p:spPr>
+          <p:txBody>
+            <a:bodyPr wrap="square" rtlCol="0">
+              <a:spAutoFit/>
+            </a:bodyPr>
+            <a:lstStyle/>
+            <a:p>
+              <a:r>
+                <a:rPr lang="nb-NO" sz="2000" dirty="0" smtClean="0"/>
+                <a:t>X0, P0</a:t>
+              </a:r>
+              <a:endParaRPr lang="nb-NO" sz="2000" dirty="0"/>
+            </a:p>
+          </p:txBody>
+        </p:sp>
+      </p:grpSp>
+      <mc:AlternateContent xmlns:mc="http://schemas.openxmlformats.org/markup-compatibility/2006">
+        <mc:Choice xmlns:a14="http://schemas.microsoft.com/office/drawing/2010/main" Requires="a14">
+          <p:sp>
+            <p:nvSpPr>
+              <p:cNvPr id="40" name="TekstSylinder 39"/>
+              <p:cNvSpPr txBox="1"/>
+              <p:nvPr/>
+            </p:nvSpPr>
+            <p:spPr>
+              <a:xfrm>
+                <a:off x="2922847" y="2693593"/>
+                <a:ext cx="540301" cy="707886"/>
+              </a:xfrm>
+              <a:prstGeom prst="rect">
+                <a:avLst/>
+              </a:prstGeom>
+              <a:noFill/>
+            </p:spPr>
+            <p:txBody>
+              <a:bodyPr wrap="square" rtlCol="0">
+                <a:spAutoFit/>
+              </a:bodyPr>
+              <a:lstStyle/>
+              <a:p>
+                <a:pPr/>
+                <a14:m>
+                  <m:oMath xmlns:m="http://schemas.openxmlformats.org/officeDocument/2006/math">
+                    <m:sSub>
+                      <m:sSubPr>
+                        <m:ctrlPr>
+                          <a:rPr lang="en-US" sz="2000" i="1" smtClean="0">
+                            <a:latin typeface="Cambria Math" charset="0"/>
+                          </a:rPr>
+                        </m:ctrlPr>
+                      </m:sSubPr>
+                      <m:e>
+                        <m:acc>
+                          <m:accPr>
+                            <m:chr m:val="̅"/>
+                            <m:ctrlPr>
+                              <a:rPr lang="nb-NO" sz="2000" i="1">
+                                <a:latin typeface="Cambria Math" charset="0"/>
+                              </a:rPr>
+                            </m:ctrlPr>
+                          </m:accPr>
+                          <m:e>
+                            <m:r>
+                              <a:rPr lang="nb-NO" sz="2000" i="1">
+                                <a:latin typeface="Cambria Math" charset="0"/>
+                              </a:rPr>
+                              <m:t>𝑥</m:t>
+                            </m:r>
+                          </m:e>
+                        </m:acc>
+                      </m:e>
+                      <m:sub>
+                        <m:r>
+                          <a:rPr lang="nb-NO" sz="2000" b="0" i="1" smtClean="0">
+                            <a:latin typeface="Cambria Math" charset="0"/>
+                          </a:rPr>
+                          <m:t>2</m:t>
+                        </m:r>
+                      </m:sub>
+                    </m:sSub>
+                  </m:oMath>
+                </a14:m>
+                <a:r>
+                  <a:rPr lang="nb-NO" sz="2000" dirty="0" smtClean="0"/>
+                  <a:t>,</a:t>
+                </a:r>
+              </a:p>
+              <a:p>
+                <a:pPr/>
+                <a14:m>
+                  <m:oMathPara xmlns:m="http://schemas.openxmlformats.org/officeDocument/2006/math">
+                    <m:oMathParaPr>
+                      <m:jc m:val="left"/>
+                    </m:oMathParaPr>
+                    <m:oMath xmlns:m="http://schemas.openxmlformats.org/officeDocument/2006/math">
+                      <m:sSub>
+                        <m:sSubPr>
+                          <m:ctrlPr>
+                            <a:rPr lang="en-US" sz="2000" i="1">
+                              <a:latin typeface="Cambria Math" charset="0"/>
+                            </a:rPr>
+                          </m:ctrlPr>
+                        </m:sSubPr>
+                        <m:e>
+                          <m:acc>
+                            <m:accPr>
+                              <m:chr m:val="̅"/>
+                              <m:ctrlPr>
+                                <a:rPr lang="nb-NO" sz="2000" i="1">
+                                  <a:latin typeface="Cambria Math" charset="0"/>
+                                </a:rPr>
+                              </m:ctrlPr>
+                            </m:accPr>
+                            <m:e>
+                              <m:r>
+                                <a:rPr lang="nb-NO" sz="2000" b="0" i="1" smtClean="0">
+                                  <a:latin typeface="Cambria Math" charset="0"/>
+                                </a:rPr>
+                                <m:t>𝑃</m:t>
+                              </m:r>
+                            </m:e>
+                          </m:acc>
+                        </m:e>
+                        <m:sub>
+                          <m:r>
+                            <a:rPr lang="nb-NO" sz="2000" b="0" i="1" smtClean="0">
+                              <a:latin typeface="Cambria Math" charset="0"/>
+                            </a:rPr>
+                            <m:t>2</m:t>
+                          </m:r>
+                        </m:sub>
+                      </m:sSub>
+                    </m:oMath>
+                  </m:oMathPara>
+                </a14:m>
+                <a:endParaRPr lang="nb-NO" sz="2000" dirty="0"/>
+              </a:p>
+            </p:txBody>
+          </p:sp>
+        </mc:Choice>
+        <mc:Fallback>
+          <p:sp>
+            <p:nvSpPr>
+              <p:cNvPr id="40" name="TekstSylinder 39"/>
+              <p:cNvSpPr txBox="1">
+                <a:spLocks noRot="1" noChangeAspect="1" noMove="1" noResize="1" noEditPoints="1" noAdjustHandles="1" noChangeArrowheads="1" noChangeShapeType="1" noTextEdit="1"/>
+              </p:cNvSpPr>
+              <p:nvPr/>
+            </p:nvSpPr>
+            <p:spPr>
+              <a:xfrm>
+                <a:off x="2922847" y="2693593"/>
+                <a:ext cx="540301" cy="707886"/>
+              </a:xfrm>
+              <a:prstGeom prst="rect">
+                <a:avLst/>
+              </a:prstGeom>
+              <a:blipFill rotWithShape="0">
+                <a:blip r:embed="rId3"/>
+                <a:stretch>
+                  <a:fillRect t="-5172" r="-12360"/>
+                </a:stretch>
+              </a:blipFill>
+            </p:spPr>
+            <p:txBody>
+              <a:bodyPr/>
+              <a:lstStyle/>
+              <a:p>
+                <a:r>
+                  <a:rPr lang="nb-NO">
+                    <a:noFill/>
+                  </a:rPr>
+                  <a:t> </a:t>
+                </a:r>
+              </a:p>
+            </p:txBody>
+          </p:sp>
+        </mc:Fallback>
+      </mc:AlternateContent>
+      <mc:AlternateContent xmlns:mc="http://schemas.openxmlformats.org/markup-compatibility/2006">
+        <mc:Choice xmlns:a14="http://schemas.microsoft.com/office/drawing/2010/main" Requires="a14">
+          <p:sp>
+            <p:nvSpPr>
+              <p:cNvPr id="41" name="TekstSylinder 40"/>
+              <p:cNvSpPr txBox="1"/>
+              <p:nvPr/>
+            </p:nvSpPr>
+            <p:spPr>
+              <a:xfrm>
+                <a:off x="9505082" y="3343816"/>
+                <a:ext cx="540301" cy="707886"/>
+              </a:xfrm>
+              <a:prstGeom prst="rect">
+                <a:avLst/>
+              </a:prstGeom>
+              <a:noFill/>
+            </p:spPr>
+            <p:txBody>
+              <a:bodyPr wrap="square" rtlCol="0">
+                <a:spAutoFit/>
+              </a:bodyPr>
+              <a:lstStyle/>
+              <a:p>
+                <a:pPr/>
+                <a14:m>
+                  <m:oMath xmlns:m="http://schemas.openxmlformats.org/officeDocument/2006/math">
+                    <m:sSub>
+                      <m:sSubPr>
+                        <m:ctrlPr>
+                          <a:rPr lang="en-US" sz="2000" i="1" smtClean="0">
+                            <a:latin typeface="Cambria Math" charset="0"/>
+                          </a:rPr>
+                        </m:ctrlPr>
+                      </m:sSubPr>
+                      <m:e>
+                        <m:acc>
+                          <m:accPr>
+                            <m:chr m:val="̅"/>
+                            <m:ctrlPr>
+                              <a:rPr lang="nb-NO" sz="2000" i="1">
+                                <a:latin typeface="Cambria Math" charset="0"/>
+                              </a:rPr>
+                            </m:ctrlPr>
+                          </m:accPr>
+                          <m:e>
+                            <m:r>
+                              <a:rPr lang="nb-NO" sz="2000" i="1">
+                                <a:latin typeface="Cambria Math" charset="0"/>
+                              </a:rPr>
+                              <m:t>𝑥</m:t>
+                            </m:r>
+                          </m:e>
+                        </m:acc>
+                      </m:e>
+                      <m:sub>
+                        <m:r>
+                          <a:rPr lang="nb-NO" sz="2000" b="0" i="1" smtClean="0">
+                            <a:latin typeface="Cambria Math" charset="0"/>
+                          </a:rPr>
+                          <m:t>3</m:t>
+                        </m:r>
+                      </m:sub>
+                    </m:sSub>
+                  </m:oMath>
+                </a14:m>
+                <a:r>
+                  <a:rPr lang="nb-NO" sz="2000" dirty="0" smtClean="0"/>
+                  <a:t>,</a:t>
+                </a:r>
+              </a:p>
+              <a:p>
+                <a:pPr/>
+                <a14:m>
+                  <m:oMathPara xmlns:m="http://schemas.openxmlformats.org/officeDocument/2006/math">
+                    <m:oMathParaPr>
+                      <m:jc m:val="left"/>
+                    </m:oMathParaPr>
+                    <m:oMath xmlns:m="http://schemas.openxmlformats.org/officeDocument/2006/math">
+                      <m:sSub>
+                        <m:sSubPr>
+                          <m:ctrlPr>
+                            <a:rPr lang="en-US" sz="2000" i="1">
+                              <a:latin typeface="Cambria Math" charset="0"/>
+                            </a:rPr>
+                          </m:ctrlPr>
+                        </m:sSubPr>
+                        <m:e>
+                          <m:acc>
+                            <m:accPr>
+                              <m:chr m:val="̅"/>
+                              <m:ctrlPr>
+                                <a:rPr lang="nb-NO" sz="2000" i="1">
+                                  <a:latin typeface="Cambria Math" charset="0"/>
+                                </a:rPr>
+                              </m:ctrlPr>
+                            </m:accPr>
+                            <m:e>
+                              <m:r>
+                                <a:rPr lang="nb-NO" sz="2000" b="0" i="1" smtClean="0">
+                                  <a:latin typeface="Cambria Math" charset="0"/>
+                                </a:rPr>
+                                <m:t>𝑃</m:t>
+                              </m:r>
+                            </m:e>
+                          </m:acc>
+                        </m:e>
+                        <m:sub>
+                          <m:r>
+                            <a:rPr lang="nb-NO" sz="2000" b="0" i="1" smtClean="0">
+                              <a:latin typeface="Cambria Math" charset="0"/>
+                            </a:rPr>
+                            <m:t>3</m:t>
+                          </m:r>
+                        </m:sub>
+                      </m:sSub>
+                    </m:oMath>
+                  </m:oMathPara>
+                </a14:m>
+                <a:endParaRPr lang="nb-NO" sz="2000" dirty="0"/>
+              </a:p>
+            </p:txBody>
+          </p:sp>
+        </mc:Choice>
+        <mc:Fallback>
+          <p:sp>
+            <p:nvSpPr>
+              <p:cNvPr id="41" name="TekstSylinder 40"/>
+              <p:cNvSpPr txBox="1">
+                <a:spLocks noRot="1" noChangeAspect="1" noMove="1" noResize="1" noEditPoints="1" noAdjustHandles="1" noChangeArrowheads="1" noChangeShapeType="1" noTextEdit="1"/>
+              </p:cNvSpPr>
+              <p:nvPr/>
+            </p:nvSpPr>
+            <p:spPr>
+              <a:xfrm>
+                <a:off x="9505082" y="3343816"/>
+                <a:ext cx="540301" cy="707886"/>
+              </a:xfrm>
+              <a:prstGeom prst="rect">
+                <a:avLst/>
+              </a:prstGeom>
+              <a:blipFill rotWithShape="0">
+                <a:blip r:embed="rId4"/>
+                <a:stretch>
+                  <a:fillRect t="-5172" r="-12360"/>
+                </a:stretch>
+              </a:blipFill>
+            </p:spPr>
+            <p:txBody>
+              <a:bodyPr/>
+              <a:lstStyle/>
+              <a:p>
+                <a:r>
+                  <a:rPr lang="nb-NO">
+                    <a:noFill/>
+                  </a:rPr>
+                  <a:t> </a:t>
+                </a:r>
+              </a:p>
+            </p:txBody>
+          </p:sp>
+        </mc:Fallback>
+      </mc:AlternateContent>
     </p:spTree>
     <p:extLst>
       <p:ext uri="{BB962C8B-B14F-4D97-AF65-F5344CB8AC3E}">

--- a/Figures/AIS_gating.pptx
+++ b/Figures/AIS_gating.pptx
@@ -245,7 +245,7 @@
           <a:p>
             <a:fld id="{B7618162-1DE7-5E46-B728-C733B3AF3B1C}" type="datetimeFigureOut">
               <a:rPr lang="nb-NO" smtClean="0"/>
-              <a:t>17.05.2017</a:t>
+              <a:t>18.05.2017</a:t>
             </a:fld>
             <a:endParaRPr lang="nb-NO"/>
           </a:p>
@@ -413,7 +413,7 @@
           <a:p>
             <a:fld id="{B7618162-1DE7-5E46-B728-C733B3AF3B1C}" type="datetimeFigureOut">
               <a:rPr lang="nb-NO" smtClean="0"/>
-              <a:t>17.05.2017</a:t>
+              <a:t>18.05.2017</a:t>
             </a:fld>
             <a:endParaRPr lang="nb-NO"/>
           </a:p>
@@ -591,7 +591,7 @@
           <a:p>
             <a:fld id="{B7618162-1DE7-5E46-B728-C733B3AF3B1C}" type="datetimeFigureOut">
               <a:rPr lang="nb-NO" smtClean="0"/>
-              <a:t>17.05.2017</a:t>
+              <a:t>18.05.2017</a:t>
             </a:fld>
             <a:endParaRPr lang="nb-NO"/>
           </a:p>
@@ -759,7 +759,7 @@
           <a:p>
             <a:fld id="{B7618162-1DE7-5E46-B728-C733B3AF3B1C}" type="datetimeFigureOut">
               <a:rPr lang="nb-NO" smtClean="0"/>
-              <a:t>17.05.2017</a:t>
+              <a:t>18.05.2017</a:t>
             </a:fld>
             <a:endParaRPr lang="nb-NO"/>
           </a:p>
@@ -1004,7 +1004,7 @@
           <a:p>
             <a:fld id="{B7618162-1DE7-5E46-B728-C733B3AF3B1C}" type="datetimeFigureOut">
               <a:rPr lang="nb-NO" smtClean="0"/>
-              <a:t>17.05.2017</a:t>
+              <a:t>18.05.2017</a:t>
             </a:fld>
             <a:endParaRPr lang="nb-NO"/>
           </a:p>
@@ -1233,7 +1233,7 @@
           <a:p>
             <a:fld id="{B7618162-1DE7-5E46-B728-C733B3AF3B1C}" type="datetimeFigureOut">
               <a:rPr lang="nb-NO" smtClean="0"/>
-              <a:t>17.05.2017</a:t>
+              <a:t>18.05.2017</a:t>
             </a:fld>
             <a:endParaRPr lang="nb-NO"/>
           </a:p>
@@ -1597,7 +1597,7 @@
           <a:p>
             <a:fld id="{B7618162-1DE7-5E46-B728-C733B3AF3B1C}" type="datetimeFigureOut">
               <a:rPr lang="nb-NO" smtClean="0"/>
-              <a:t>17.05.2017</a:t>
+              <a:t>18.05.2017</a:t>
             </a:fld>
             <a:endParaRPr lang="nb-NO"/>
           </a:p>
@@ -1714,7 +1714,7 @@
           <a:p>
             <a:fld id="{B7618162-1DE7-5E46-B728-C733B3AF3B1C}" type="datetimeFigureOut">
               <a:rPr lang="nb-NO" smtClean="0"/>
-              <a:t>17.05.2017</a:t>
+              <a:t>18.05.2017</a:t>
             </a:fld>
             <a:endParaRPr lang="nb-NO"/>
           </a:p>
@@ -1809,7 +1809,7 @@
           <a:p>
             <a:fld id="{B7618162-1DE7-5E46-B728-C733B3AF3B1C}" type="datetimeFigureOut">
               <a:rPr lang="nb-NO" smtClean="0"/>
-              <a:t>17.05.2017</a:t>
+              <a:t>18.05.2017</a:t>
             </a:fld>
             <a:endParaRPr lang="nb-NO"/>
           </a:p>
@@ -2084,7 +2084,7 @@
           <a:p>
             <a:fld id="{B7618162-1DE7-5E46-B728-C733B3AF3B1C}" type="datetimeFigureOut">
               <a:rPr lang="nb-NO" smtClean="0"/>
-              <a:t>17.05.2017</a:t>
+              <a:t>18.05.2017</a:t>
             </a:fld>
             <a:endParaRPr lang="nb-NO"/>
           </a:p>
@@ -2336,7 +2336,7 @@
           <a:p>
             <a:fld id="{B7618162-1DE7-5E46-B728-C733B3AF3B1C}" type="datetimeFigureOut">
               <a:rPr lang="nb-NO" smtClean="0"/>
-              <a:t>17.05.2017</a:t>
+              <a:t>18.05.2017</a:t>
             </a:fld>
             <a:endParaRPr lang="nb-NO"/>
           </a:p>
@@ -2547,7 +2547,7 @@
           <a:p>
             <a:fld id="{B7618162-1DE7-5E46-B728-C733B3AF3B1C}" type="datetimeFigureOut">
               <a:rPr lang="nb-NO" smtClean="0"/>
-              <a:t>17.05.2017</a:t>
+              <a:t>18.05.2017</a:t>
             </a:fld>
             <a:endParaRPr lang="nb-NO"/>
           </a:p>
@@ -2952,6 +2952,45 @@
           <a:chExt cx="0" cy="0"/>
         </a:xfrm>
       </p:grpSpPr>
+      <p:cxnSp>
+        <p:nvCxnSpPr>
+          <p:cNvPr id="42" name="Rett pilkobling 41"/>
+          <p:cNvCxnSpPr>
+            <a:cxnSpLocks/>
+          </p:cNvCxnSpPr>
+          <p:nvPr/>
+        </p:nvCxnSpPr>
+        <p:spPr>
+          <a:xfrm>
+            <a:off x="298616" y="1416607"/>
+            <a:ext cx="383309" cy="156471"/>
+          </a:xfrm>
+          <a:prstGeom prst="straightConnector1">
+            <a:avLst/>
+          </a:prstGeom>
+          <a:ln w="50800">
+            <a:solidFill>
+              <a:schemeClr val="tx1"/>
+            </a:solidFill>
+            <a:headEnd type="oval"/>
+            <a:tailEnd type="triangle"/>
+          </a:ln>
+        </p:spPr>
+        <p:style>
+          <a:lnRef idx="1">
+            <a:schemeClr val="accent2"/>
+          </a:lnRef>
+          <a:fillRef idx="0">
+            <a:schemeClr val="accent2"/>
+          </a:fillRef>
+          <a:effectRef idx="0">
+            <a:schemeClr val="accent2"/>
+          </a:effectRef>
+          <a:fontRef idx="minor">
+            <a:schemeClr val="tx1"/>
+          </a:fontRef>
+        </p:style>
+      </p:cxnSp>
       <p:sp>
         <p:nvSpPr>
           <p:cNvPr id="33" name="Ellipse 32"/>
@@ -2998,98 +3037,89 @@
           </a:p>
         </p:txBody>
       </p:sp>
-      <p:grpSp>
-        <p:nvGrpSpPr>
-          <p:cNvPr id="28" name="Gruppe 27"/>
-          <p:cNvGrpSpPr/>
-          <p:nvPr/>
-        </p:nvGrpSpPr>
-        <p:grpSpPr>
-          <a:xfrm>
-            <a:off x="9824422" y="4265250"/>
-            <a:ext cx="662651" cy="735139"/>
-            <a:chOff x="6685808" y="2031934"/>
-            <a:chExt cx="384559" cy="426625"/>
-          </a:xfrm>
-        </p:grpSpPr>
-        <p:sp>
-          <p:nvSpPr>
-            <p:cNvPr id="30" name="Ellipse 29"/>
-            <p:cNvSpPr/>
-            <p:nvPr/>
-          </p:nvSpPr>
-          <p:spPr>
-            <a:xfrm>
-              <a:off x="6685808" y="2208810"/>
-              <a:ext cx="106878" cy="106878"/>
-            </a:xfrm>
-            <a:prstGeom prst="ellipse">
-              <a:avLst/>
-            </a:prstGeom>
-            <a:solidFill>
-              <a:schemeClr val="tx1"/>
-            </a:solidFill>
-            <a:ln>
+      <mc:AlternateContent xmlns:mc="http://schemas.openxmlformats.org/markup-compatibility/2006" xmlns:a14="http://schemas.microsoft.com/office/drawing/2010/main">
+        <mc:Choice Requires="a14">
+          <p:sp>
+            <p:nvSpPr>
+              <p:cNvPr id="31" name="TekstSylinder 30"/>
+              <p:cNvSpPr txBox="1"/>
+              <p:nvPr/>
+            </p:nvSpPr>
+            <p:spPr>
+              <a:xfrm>
+                <a:off x="3093193" y="2568172"/>
+                <a:ext cx="816802" cy="1015663"/>
+              </a:xfrm>
+              <a:prstGeom prst="rect">
+                <a:avLst/>
+              </a:prstGeom>
               <a:noFill/>
-            </a:ln>
-          </p:spPr>
-          <p:style>
-            <a:lnRef idx="2">
-              <a:schemeClr val="accent1">
-                <a:shade val="50000"/>
-              </a:schemeClr>
-            </a:lnRef>
-            <a:fillRef idx="1">
-              <a:schemeClr val="accent1"/>
-            </a:fillRef>
-            <a:effectRef idx="0">
-              <a:schemeClr val="accent1"/>
-            </a:effectRef>
-            <a:fontRef idx="minor">
-              <a:schemeClr val="lt1"/>
-            </a:fontRef>
-          </p:style>
-          <p:txBody>
-            <a:bodyPr rtlCol="0" anchor="ctr"/>
-            <a:lstStyle/>
-            <a:p>
-              <a:pPr algn="ctr"/>
-              <a:endParaRPr lang="nb-NO" dirty="0"/>
-            </a:p>
-          </p:txBody>
-        </p:sp>
-        <mc:AlternateContent xmlns:mc="http://schemas.openxmlformats.org/markup-compatibility/2006">
-          <mc:Choice xmlns:a14="http://schemas.microsoft.com/office/drawing/2010/main" Requires="a14">
-            <p:sp>
-              <p:nvSpPr>
-                <p:cNvPr id="31" name="TekstSylinder 30"/>
-                <p:cNvSpPr txBox="1"/>
-                <p:nvPr/>
-              </p:nvSpPr>
-              <p:spPr>
-                <a:xfrm>
-                  <a:off x="6756812" y="2031934"/>
-                  <a:ext cx="313555" cy="426625"/>
-                </a:xfrm>
-                <a:prstGeom prst="rect">
-                  <a:avLst/>
-                </a:prstGeom>
-                <a:noFill/>
-              </p:spPr>
-              <p:txBody>
-                <a:bodyPr wrap="square" rtlCol="0">
-                  <a:spAutoFit/>
-                </a:bodyPr>
-                <a:lstStyle/>
-                <a:p>
-                  <a:pPr/>
-                  <a14:m>
+            </p:spPr>
+            <p:txBody>
+              <a:bodyPr wrap="square" rtlCol="0">
+                <a:spAutoFit/>
+              </a:bodyPr>
+              <a:lstStyle/>
+              <a:p>
+                <a14:m>
+                  <m:oMath xmlns:m="http://schemas.openxmlformats.org/officeDocument/2006/math">
+                    <m:sSub>
+                      <m:sSubPr>
+                        <m:ctrlPr>
+                          <a:rPr lang="en-US" sz="2000" i="1" smtClean="0">
+                            <a:latin typeface="Cambria Math" panose="02040503050406030204" pitchFamily="18" charset="0"/>
+                          </a:rPr>
+                        </m:ctrlPr>
+                      </m:sSubPr>
+                      <m:e>
+                        <m:acc>
+                          <m:accPr>
+                            <m:chr m:val="̅"/>
+                            <m:ctrlPr>
+                              <a:rPr lang="nb-NO" sz="2000" i="1">
+                                <a:latin typeface="Cambria Math" panose="02040503050406030204" pitchFamily="18" charset="0"/>
+                              </a:rPr>
+                            </m:ctrlPr>
+                          </m:accPr>
+                          <m:e>
+                            <m:r>
+                              <a:rPr lang="nb-NO" sz="2000" i="1">
+                                <a:latin typeface="Cambria Math" charset="0"/>
+                              </a:rPr>
+                              <m:t>𝑥</m:t>
+                            </m:r>
+                          </m:e>
+                        </m:acc>
+                      </m:e>
+                      <m:sub>
+                        <m:r>
+                          <a:rPr lang="nb-NO" sz="2000" b="0" i="1" smtClean="0">
+                            <a:latin typeface="Cambria Math" charset="0"/>
+                          </a:rPr>
+                          <m:t>1</m:t>
+                        </m:r>
+                      </m:sub>
+                    </m:sSub>
+                  </m:oMath>
+                </a14:m>
+                <a:r>
+                  <a:rPr lang="nb-NO" sz="2000" dirty="0"/>
+                  <a:t>,</a:t>
+                </a:r>
+              </a:p>
+              <a:p>
+                <a:pPr/>
+                <a14:m>
+                  <m:oMathPara xmlns:m="http://schemas.openxmlformats.org/officeDocument/2006/math">
+                    <m:oMathParaPr>
+                      <m:jc m:val="left"/>
+                    </m:oMathParaPr>
                     <m:oMath xmlns:m="http://schemas.openxmlformats.org/officeDocument/2006/math">
                       <m:sSub>
                         <m:sSubPr>
                           <m:ctrlPr>
-                            <a:rPr lang="en-US" sz="2000" i="1" smtClean="0">
-                              <a:latin typeface="Cambria Math" charset="0"/>
+                            <a:rPr lang="en-US" sz="2000" i="1">
+                              <a:latin typeface="Cambria Math" panose="02040503050406030204" pitchFamily="18" charset="0"/>
                             </a:rPr>
                           </m:ctrlPr>
                         </m:sSubPr>
@@ -3099,162 +3129,88 @@
                               <m:chr m:val="̅"/>
                               <m:ctrlPr>
                                 <a:rPr lang="nb-NO" sz="2000" i="1">
-                                  <a:latin typeface="Cambria Math" charset="0"/>
+                                  <a:latin typeface="Cambria Math" panose="02040503050406030204" pitchFamily="18" charset="0"/>
                                 </a:rPr>
                               </m:ctrlPr>
                             </m:accPr>
                             <m:e>
                               <m:r>
-                                <a:rPr lang="nb-NO" sz="2000" i="1">
+                                <a:rPr lang="nb-NO" sz="2000" b="0" i="1" smtClean="0">
                                   <a:latin typeface="Cambria Math" charset="0"/>
                                 </a:rPr>
-                                <m:t>𝑥</m:t>
+                                <m:t>𝑃</m:t>
                               </m:r>
                             </m:e>
                           </m:acc>
                         </m:e>
                         <m:sub>
                           <m:r>
-                            <a:rPr lang="nb-NO" sz="2000" b="0" i="1" smtClean="0">
+                            <a:rPr lang="nb-NO" sz="2000" i="1">
                               <a:latin typeface="Cambria Math" charset="0"/>
                             </a:rPr>
                             <m:t>1</m:t>
                           </m:r>
                         </m:sub>
                       </m:sSub>
+                      <m:r>
+                        <a:rPr lang="nb-NO" sz="2000" b="0" i="1" smtClean="0">
+                          <a:latin typeface="Cambria Math" panose="02040503050406030204" pitchFamily="18" charset="0"/>
+                        </a:rPr>
+                        <m:t>,</m:t>
+                      </m:r>
                     </m:oMath>
-                  </a14:m>
-                  <a:r>
-                    <a:rPr lang="nb-NO" sz="2000" dirty="0" smtClean="0"/>
-                    <a:t>,</a:t>
-                  </a:r>
-                </a:p>
-                <a:p>
-                  <a:pPr/>
-                  <a14:m>
-                    <m:oMathPara xmlns:m="http://schemas.openxmlformats.org/officeDocument/2006/math">
-                      <m:oMathParaPr>
-                        <m:jc m:val="left"/>
-                      </m:oMathParaPr>
-                      <m:oMath xmlns:m="http://schemas.openxmlformats.org/officeDocument/2006/math">
-                        <m:sSub>
-                          <m:sSubPr>
-                            <m:ctrlPr>
-                              <a:rPr lang="en-US" sz="2000" i="1">
-                                <a:latin typeface="Cambria Math" charset="0"/>
-                              </a:rPr>
-                            </m:ctrlPr>
-                          </m:sSubPr>
-                          <m:e>
-                            <m:acc>
-                              <m:accPr>
-                                <m:chr m:val="̅"/>
-                                <m:ctrlPr>
-                                  <a:rPr lang="nb-NO" sz="2000" i="1">
-                                    <a:latin typeface="Cambria Math" charset="0"/>
-                                  </a:rPr>
-                                </m:ctrlPr>
-                              </m:accPr>
-                              <m:e>
-                                <m:r>
-                                  <a:rPr lang="nb-NO" sz="2000" b="0" i="1" smtClean="0">
-                                    <a:latin typeface="Cambria Math" charset="0"/>
-                                  </a:rPr>
-                                  <m:t>𝑃</m:t>
-                                </m:r>
-                              </m:e>
-                            </m:acc>
-                          </m:e>
-                          <m:sub>
-                            <m:r>
-                              <a:rPr lang="nb-NO" sz="2000" i="1">
-                                <a:latin typeface="Cambria Math" charset="0"/>
-                              </a:rPr>
-                              <m:t>1</m:t>
-                            </m:r>
-                          </m:sub>
-                        </m:sSub>
-                      </m:oMath>
-                    </m:oMathPara>
-                  </a14:m>
-                  <a:endParaRPr lang="nb-NO" sz="2000" dirty="0"/>
-                </a:p>
-              </p:txBody>
-            </p:sp>
-          </mc:Choice>
-          <mc:Fallback>
-            <p:sp>
-              <p:nvSpPr>
-                <p:cNvPr id="31" name="TekstSylinder 30"/>
-                <p:cNvSpPr txBox="1">
-                  <a:spLocks noRot="1" noChangeAspect="1" noMove="1" noResize="1" noEditPoints="1" noAdjustHandles="1" noChangeArrowheads="1" noChangeShapeType="1" noTextEdit="1"/>
-                </p:cNvSpPr>
-                <p:nvPr/>
-              </p:nvSpPr>
-              <p:spPr>
-                <a:xfrm>
-                  <a:off x="6756812" y="2031934"/>
-                  <a:ext cx="313555" cy="426625"/>
-                </a:xfrm>
-                <a:prstGeom prst="rect">
-                  <a:avLst/>
-                </a:prstGeom>
-                <a:blipFill rotWithShape="0">
-                  <a:blip r:embed="rId2"/>
-                  <a:stretch>
-                    <a:fillRect t="-5000" r="-12500"/>
-                  </a:stretch>
-                </a:blipFill>
-              </p:spPr>
-              <p:txBody>
-                <a:bodyPr/>
-                <a:lstStyle/>
-                <a:p>
-                  <a:r>
-                    <a:rPr lang="nb-NO">
-                      <a:noFill/>
-                    </a:rPr>
-                    <a:t> </a:t>
-                  </a:r>
-                </a:p>
-              </p:txBody>
-            </p:sp>
-          </mc:Fallback>
-        </mc:AlternateContent>
-      </p:grpSp>
-      <p:cxnSp>
-        <p:nvCxnSpPr>
-          <p:cNvPr id="6" name="Rett pil 5"/>
-          <p:cNvCxnSpPr/>
-          <p:nvPr/>
-        </p:nvCxnSpPr>
-        <p:spPr>
-          <a:xfrm>
-            <a:off x="284576" y="1424896"/>
-            <a:ext cx="9638030" cy="3233138"/>
-          </a:xfrm>
-          <a:prstGeom prst="straightConnector1">
-            <a:avLst/>
-          </a:prstGeom>
-          <a:ln w="28575">
-            <a:tailEnd type="triangle"/>
-          </a:ln>
-        </p:spPr>
-        <p:style>
-          <a:lnRef idx="1">
-            <a:schemeClr val="accent1"/>
-          </a:lnRef>
-          <a:fillRef idx="0">
-            <a:schemeClr val="accent1"/>
-          </a:fillRef>
-          <a:effectRef idx="0">
-            <a:schemeClr val="accent1"/>
-          </a:effectRef>
-          <a:fontRef idx="minor">
-            <a:schemeClr val="tx1"/>
-          </a:fontRef>
-        </p:style>
-      </p:cxnSp>
+                  </m:oMathPara>
+                </a14:m>
+                <a:endParaRPr lang="nb-NO" sz="2000" b="0" dirty="0"/>
+              </a:p>
+              <a:p>
+                <a:r>
+                  <a:rPr lang="nb-NO" sz="2000" dirty="0"/>
+                  <a:t>t=1</a:t>
+                </a:r>
+              </a:p>
+            </p:txBody>
+          </p:sp>
+        </mc:Choice>
+        <mc:Fallback xmlns="">
+          <p:sp>
+            <p:nvSpPr>
+              <p:cNvPr id="31" name="TekstSylinder 30"/>
+              <p:cNvSpPr txBox="1">
+                <a:spLocks noRot="1" noChangeAspect="1" noMove="1" noResize="1" noEditPoints="1" noAdjustHandles="1" noChangeArrowheads="1" noChangeShapeType="1" noTextEdit="1"/>
+              </p:cNvSpPr>
+              <p:nvPr/>
+            </p:nvSpPr>
+            <p:spPr>
+              <a:xfrm>
+                <a:off x="3093193" y="2568172"/>
+                <a:ext cx="816802" cy="1015663"/>
+              </a:xfrm>
+              <a:prstGeom prst="rect">
+                <a:avLst/>
+              </a:prstGeom>
+              <a:blipFill>
+                <a:blip r:embed="rId2"/>
+                <a:stretch>
+                  <a:fillRect l="-7463" t="-2994" b="-9581"/>
+                </a:stretch>
+              </a:blipFill>
+            </p:spPr>
+            <p:txBody>
+              <a:bodyPr/>
+              <a:lstStyle/>
+              <a:p>
+                <a:r>
+                  <a:rPr lang="nb-NO">
+                    <a:noFill/>
+                  </a:rPr>
+                  <a:t> </a:t>
+                </a:r>
+              </a:p>
+            </p:txBody>
+          </p:sp>
+        </mc:Fallback>
+      </mc:AlternateContent>
       <p:sp>
         <p:nvSpPr>
           <p:cNvPr id="7" name="Ellipse 6"/>
@@ -3263,8 +3219,8 @@
         </p:nvSpPr>
         <p:spPr>
           <a:xfrm>
-            <a:off x="7958165" y="2693593"/>
-            <a:ext cx="3928880" cy="3928880"/>
+            <a:off x="2445172" y="1512925"/>
+            <a:ext cx="2021114" cy="1998350"/>
           </a:xfrm>
           <a:prstGeom prst="ellipse">
             <a:avLst/>
@@ -3471,96 +3427,6 @@
           </p:txBody>
         </p:sp>
       </p:grpSp>
-      <p:grpSp>
-        <p:nvGrpSpPr>
-          <p:cNvPr id="15" name="Gruppe 14"/>
-          <p:cNvGrpSpPr/>
-          <p:nvPr/>
-        </p:nvGrpSpPr>
-        <p:grpSpPr>
-          <a:xfrm>
-            <a:off x="8540967" y="2221436"/>
-            <a:ext cx="1068401" cy="891066"/>
-            <a:chOff x="6375793" y="1798572"/>
-            <a:chExt cx="620029" cy="517116"/>
-          </a:xfrm>
-        </p:grpSpPr>
-        <p:sp>
-          <p:nvSpPr>
-            <p:cNvPr id="16" name="Ellipse 15"/>
-            <p:cNvSpPr/>
-            <p:nvPr/>
-          </p:nvSpPr>
-          <p:spPr>
-            <a:xfrm>
-              <a:off x="6685808" y="2208810"/>
-              <a:ext cx="106878" cy="106878"/>
-            </a:xfrm>
-            <a:prstGeom prst="ellipse">
-              <a:avLst/>
-            </a:prstGeom>
-            <a:solidFill>
-              <a:srgbClr val="FF0000"/>
-            </a:solidFill>
-            <a:ln>
-              <a:noFill/>
-            </a:ln>
-          </p:spPr>
-          <p:style>
-            <a:lnRef idx="2">
-              <a:schemeClr val="accent1">
-                <a:shade val="50000"/>
-              </a:schemeClr>
-            </a:lnRef>
-            <a:fillRef idx="1">
-              <a:schemeClr val="accent1"/>
-            </a:fillRef>
-            <a:effectRef idx="0">
-              <a:schemeClr val="accent1"/>
-            </a:effectRef>
-            <a:fontRef idx="minor">
-              <a:schemeClr val="lt1"/>
-            </a:fontRef>
-          </p:style>
-          <p:txBody>
-            <a:bodyPr rtlCol="0" anchor="ctr"/>
-            <a:lstStyle/>
-            <a:p>
-              <a:pPr algn="ctr"/>
-              <a:endParaRPr lang="nb-NO"/>
-            </a:p>
-          </p:txBody>
-        </p:sp>
-        <p:sp>
-          <p:nvSpPr>
-            <p:cNvPr id="17" name="TekstSylinder 16"/>
-            <p:cNvSpPr txBox="1"/>
-            <p:nvPr/>
-          </p:nvSpPr>
-          <p:spPr>
-            <a:xfrm>
-              <a:off x="6375793" y="1798572"/>
-              <a:ext cx="620029" cy="232197"/>
-            </a:xfrm>
-            <a:prstGeom prst="rect">
-              <a:avLst/>
-            </a:prstGeom>
-            <a:noFill/>
-          </p:spPr>
-          <p:txBody>
-            <a:bodyPr wrap="square" rtlCol="0">
-              <a:spAutoFit/>
-            </a:bodyPr>
-            <a:lstStyle/>
-            <a:p>
-              <a:r>
-                <a:rPr lang="nb-NO" sz="2000" dirty="0"/>
-                <a:t>A1,pred</a:t>
-              </a:r>
-            </a:p>
-          </p:txBody>
-        </p:sp>
-      </p:grpSp>
       <p:sp>
         <p:nvSpPr>
           <p:cNvPr id="20" name="TekstSylinder 19"/>
@@ -3569,7 +3435,7 @@
         </p:nvSpPr>
         <p:spPr>
           <a:xfrm>
-            <a:off x="3422939" y="1162167"/>
+            <a:off x="3342929" y="1253607"/>
             <a:ext cx="1133430" cy="400109"/>
           </a:xfrm>
           <a:prstGeom prst="rect">
@@ -3585,7 +3451,7 @@
           <a:p>
             <a:r>
               <a:rPr lang="nb-NO" sz="2000" dirty="0"/>
-              <a:t>A1-RAW</a:t>
+              <a:t>A1 (t=1)</a:t>
             </a:r>
           </a:p>
         </p:txBody>
@@ -3634,8 +3500,8 @@
         </p:nvSpPr>
         <p:spPr>
           <a:xfrm>
-            <a:off x="7901268" y="1323908"/>
-            <a:ext cx="3928880" cy="3928880"/>
+            <a:off x="8494702" y="2010881"/>
+            <a:ext cx="2683838" cy="2683838"/>
           </a:xfrm>
           <a:prstGeom prst="ellipse">
             <a:avLst/>
@@ -3668,96 +3534,35 @@
           </a:p>
         </p:txBody>
       </p:sp>
-      <p:grpSp>
-        <p:nvGrpSpPr>
-          <p:cNvPr id="22" name="Gruppe 21"/>
-          <p:cNvGrpSpPr/>
+      <p:sp>
+        <p:nvSpPr>
+          <p:cNvPr id="24" name="TekstSylinder 23"/>
+          <p:cNvSpPr txBox="1"/>
           <p:nvPr/>
-        </p:nvGrpSpPr>
-        <p:grpSpPr>
+        </p:nvSpPr>
+        <p:spPr>
           <a:xfrm>
             <a:off x="2075463" y="1553009"/>
-            <a:ext cx="1562340" cy="439637"/>
-            <a:chOff x="5886007" y="2060552"/>
-            <a:chExt cx="906679" cy="255136"/>
+            <a:ext cx="1544950" cy="400111"/>
           </a:xfrm>
-        </p:grpSpPr>
-        <p:sp>
-          <p:nvSpPr>
-            <p:cNvPr id="23" name="Ellipse 22"/>
-            <p:cNvSpPr/>
-            <p:nvPr/>
-          </p:nvSpPr>
-          <p:spPr>
-            <a:xfrm>
-              <a:off x="6685808" y="2208810"/>
-              <a:ext cx="106878" cy="106878"/>
-            </a:xfrm>
-            <a:prstGeom prst="ellipse">
-              <a:avLst/>
-            </a:prstGeom>
-            <a:solidFill>
-              <a:srgbClr val="00B050"/>
-            </a:solidFill>
-            <a:ln>
-              <a:noFill/>
-            </a:ln>
-          </p:spPr>
-          <p:style>
-            <a:lnRef idx="2">
-              <a:schemeClr val="accent1">
-                <a:shade val="50000"/>
-              </a:schemeClr>
-            </a:lnRef>
-            <a:fillRef idx="1">
-              <a:schemeClr val="accent1"/>
-            </a:fillRef>
-            <a:effectRef idx="0">
-              <a:schemeClr val="accent1"/>
-            </a:effectRef>
-            <a:fontRef idx="minor">
-              <a:schemeClr val="lt1"/>
-            </a:fontRef>
-          </p:style>
-          <p:txBody>
-            <a:bodyPr rtlCol="0" anchor="ctr"/>
-            <a:lstStyle/>
-            <a:p>
-              <a:pPr algn="ctr"/>
-              <a:endParaRPr lang="nb-NO" dirty="0"/>
-            </a:p>
-          </p:txBody>
-        </p:sp>
-        <p:sp>
-          <p:nvSpPr>
-            <p:cNvPr id="24" name="TekstSylinder 23"/>
-            <p:cNvSpPr txBox="1"/>
-            <p:nvPr/>
-          </p:nvSpPr>
-          <p:spPr>
-            <a:xfrm>
-              <a:off x="5886007" y="2060552"/>
-              <a:ext cx="896587" cy="232198"/>
-            </a:xfrm>
-            <a:prstGeom prst="rect">
-              <a:avLst/>
-            </a:prstGeom>
-            <a:noFill/>
-          </p:spPr>
-          <p:txBody>
-            <a:bodyPr wrap="square" rtlCol="0">
-              <a:spAutoFit/>
-            </a:bodyPr>
-            <a:lstStyle/>
-            <a:p>
-              <a:r>
-                <a:rPr lang="nb-NO" sz="2000" dirty="0"/>
-                <a:t>A1-FILTERED</a:t>
-              </a:r>
-            </a:p>
-          </p:txBody>
-        </p:sp>
-      </p:grpSp>
+          <a:prstGeom prst="rect">
+            <a:avLst/>
+          </a:prstGeom>
+          <a:noFill/>
+        </p:spPr>
+        <p:txBody>
+          <a:bodyPr wrap="square" rtlCol="0">
+            <a:spAutoFit/>
+          </a:bodyPr>
+          <a:lstStyle/>
+          <a:p>
+            <a:r>
+              <a:rPr lang="nb-NO" sz="2000" dirty="0"/>
+              <a:t>A1-FILTERED</a:t>
+            </a:r>
+          </a:p>
+        </p:txBody>
+      </p:sp>
       <p:sp>
         <p:nvSpPr>
           <p:cNvPr id="26" name="Ellipse 25"/>
@@ -3814,7 +3619,7 @@
         </p:nvCxnSpPr>
         <p:spPr>
           <a:xfrm>
-            <a:off x="3666120" y="1561847"/>
+            <a:off x="3654690" y="1641857"/>
             <a:ext cx="432805" cy="103880"/>
           </a:xfrm>
           <a:prstGeom prst="straightConnector1">
@@ -3843,24 +3648,407 @@
           </a:fontRef>
         </p:style>
       </p:cxnSp>
+      <p:sp>
+        <p:nvSpPr>
+          <p:cNvPr id="50" name="TekstSylinder 49"/>
+          <p:cNvSpPr txBox="1"/>
+          <p:nvPr/>
+        </p:nvSpPr>
+        <p:spPr>
+          <a:xfrm>
+            <a:off x="0" y="762057"/>
+            <a:ext cx="2046637" cy="400110"/>
+          </a:xfrm>
+          <a:prstGeom prst="rect">
+            <a:avLst/>
+          </a:prstGeom>
+          <a:noFill/>
+        </p:spPr>
+        <p:txBody>
+          <a:bodyPr wrap="square" rtlCol="0">
+            <a:spAutoFit/>
+          </a:bodyPr>
+          <a:lstStyle/>
+          <a:p>
+            <a:r>
+              <a:rPr lang="nb-NO" sz="2000" dirty="0" err="1"/>
+              <a:t>Current</a:t>
+            </a:r>
+            <a:r>
+              <a:rPr lang="nb-NO" sz="2000" dirty="0"/>
+              <a:t> </a:t>
+            </a:r>
+            <a:r>
+              <a:rPr lang="nb-NO" sz="2000" dirty="0" err="1"/>
+              <a:t>leaf</a:t>
+            </a:r>
+            <a:r>
+              <a:rPr lang="nb-NO" sz="2000" dirty="0"/>
+              <a:t> node</a:t>
+            </a:r>
+          </a:p>
+        </p:txBody>
+      </p:sp>
+      <mc:AlternateContent xmlns:mc="http://schemas.openxmlformats.org/markup-compatibility/2006" xmlns:a14="http://schemas.microsoft.com/office/drawing/2010/main">
+        <mc:Choice Requires="a14">
+          <p:sp>
+            <p:nvSpPr>
+              <p:cNvPr id="40" name="TekstSylinder 39"/>
+              <p:cNvSpPr txBox="1"/>
+              <p:nvPr/>
+            </p:nvSpPr>
+            <p:spPr>
+              <a:xfrm>
+                <a:off x="7009587" y="3846003"/>
+                <a:ext cx="716318" cy="1015663"/>
+              </a:xfrm>
+              <a:prstGeom prst="rect">
+                <a:avLst/>
+              </a:prstGeom>
+              <a:noFill/>
+            </p:spPr>
+            <p:txBody>
+              <a:bodyPr wrap="square" rtlCol="0">
+                <a:spAutoFit/>
+              </a:bodyPr>
+              <a:lstStyle/>
+              <a:p>
+                <a14:m>
+                  <m:oMath xmlns:m="http://schemas.openxmlformats.org/officeDocument/2006/math">
+                    <m:sSub>
+                      <m:sSubPr>
+                        <m:ctrlPr>
+                          <a:rPr lang="en-US" sz="2000" i="1" smtClean="0">
+                            <a:latin typeface="Cambria Math" panose="02040503050406030204" pitchFamily="18" charset="0"/>
+                          </a:rPr>
+                        </m:ctrlPr>
+                      </m:sSubPr>
+                      <m:e>
+                        <m:acc>
+                          <m:accPr>
+                            <m:chr m:val="̅"/>
+                            <m:ctrlPr>
+                              <a:rPr lang="nb-NO" sz="2000" i="1">
+                                <a:latin typeface="Cambria Math" panose="02040503050406030204" pitchFamily="18" charset="0"/>
+                              </a:rPr>
+                            </m:ctrlPr>
+                          </m:accPr>
+                          <m:e>
+                            <m:r>
+                              <a:rPr lang="nb-NO" sz="2000" i="1">
+                                <a:latin typeface="Cambria Math" charset="0"/>
+                              </a:rPr>
+                              <m:t>𝑥</m:t>
+                            </m:r>
+                          </m:e>
+                        </m:acc>
+                      </m:e>
+                      <m:sub>
+                        <m:r>
+                          <a:rPr lang="nb-NO" sz="2000" b="0" i="1" smtClean="0">
+                            <a:latin typeface="Cambria Math" charset="0"/>
+                          </a:rPr>
+                          <m:t>2</m:t>
+                        </m:r>
+                      </m:sub>
+                    </m:sSub>
+                  </m:oMath>
+                </a14:m>
+                <a:r>
+                  <a:rPr lang="nb-NO" sz="2000" dirty="0"/>
+                  <a:t>,</a:t>
+                </a:r>
+              </a:p>
+              <a:p>
+                <a14:m>
+                  <m:oMath xmlns:m="http://schemas.openxmlformats.org/officeDocument/2006/math">
+                    <m:sSub>
+                      <m:sSubPr>
+                        <m:ctrlPr>
+                          <a:rPr lang="en-US" sz="2000" i="1">
+                            <a:latin typeface="Cambria Math" panose="02040503050406030204" pitchFamily="18" charset="0"/>
+                          </a:rPr>
+                        </m:ctrlPr>
+                      </m:sSubPr>
+                      <m:e>
+                        <m:acc>
+                          <m:accPr>
+                            <m:chr m:val="̅"/>
+                            <m:ctrlPr>
+                              <a:rPr lang="nb-NO" sz="2000" i="1">
+                                <a:latin typeface="Cambria Math" panose="02040503050406030204" pitchFamily="18" charset="0"/>
+                              </a:rPr>
+                            </m:ctrlPr>
+                          </m:accPr>
+                          <m:e>
+                            <m:r>
+                              <a:rPr lang="nb-NO" sz="2000" b="0" i="1" smtClean="0">
+                                <a:latin typeface="Cambria Math" charset="0"/>
+                              </a:rPr>
+                              <m:t>𝑃</m:t>
+                            </m:r>
+                          </m:e>
+                        </m:acc>
+                      </m:e>
+                      <m:sub>
+                        <m:r>
+                          <a:rPr lang="nb-NO" sz="2000" b="0" i="1" smtClean="0">
+                            <a:latin typeface="Cambria Math" charset="0"/>
+                          </a:rPr>
+                          <m:t>2</m:t>
+                        </m:r>
+                      </m:sub>
+                    </m:sSub>
+                  </m:oMath>
+                </a14:m>
+                <a:r>
+                  <a:rPr lang="nb-NO" sz="2000" dirty="0"/>
+                  <a:t>,</a:t>
+                </a:r>
+              </a:p>
+              <a:p>
+                <a:r>
+                  <a:rPr lang="nb-NO" sz="2000" dirty="0"/>
+                  <a:t>t=2</a:t>
+                </a:r>
+              </a:p>
+            </p:txBody>
+          </p:sp>
+        </mc:Choice>
+        <mc:Fallback xmlns="">
+          <p:sp>
+            <p:nvSpPr>
+              <p:cNvPr id="40" name="TekstSylinder 39"/>
+              <p:cNvSpPr txBox="1">
+                <a:spLocks noRot="1" noChangeAspect="1" noMove="1" noResize="1" noEditPoints="1" noAdjustHandles="1" noChangeArrowheads="1" noChangeShapeType="1" noTextEdit="1"/>
+              </p:cNvSpPr>
+              <p:nvPr/>
+            </p:nvSpPr>
+            <p:spPr>
+              <a:xfrm>
+                <a:off x="7009587" y="3846003"/>
+                <a:ext cx="716318" cy="1015663"/>
+              </a:xfrm>
+              <a:prstGeom prst="rect">
+                <a:avLst/>
+              </a:prstGeom>
+              <a:blipFill>
+                <a:blip r:embed="rId3"/>
+                <a:stretch>
+                  <a:fillRect l="-9402" t="-3593" b="-9581"/>
+                </a:stretch>
+              </a:blipFill>
+            </p:spPr>
+            <p:txBody>
+              <a:bodyPr/>
+              <a:lstStyle/>
+              <a:p>
+                <a:r>
+                  <a:rPr lang="nb-NO">
+                    <a:noFill/>
+                  </a:rPr>
+                  <a:t> </a:t>
+                </a:r>
+              </a:p>
+            </p:txBody>
+          </p:sp>
+        </mc:Fallback>
+      </mc:AlternateContent>
+      <mc:AlternateContent xmlns:mc="http://schemas.openxmlformats.org/markup-compatibility/2006" xmlns:a14="http://schemas.microsoft.com/office/drawing/2010/main">
+        <mc:Choice Requires="a14">
+          <p:sp>
+            <p:nvSpPr>
+              <p:cNvPr id="41" name="TekstSylinder 40"/>
+              <p:cNvSpPr txBox="1"/>
+              <p:nvPr/>
+            </p:nvSpPr>
+            <p:spPr>
+              <a:xfrm>
+                <a:off x="9505082" y="3343816"/>
+                <a:ext cx="663079" cy="707886"/>
+              </a:xfrm>
+              <a:prstGeom prst="rect">
+                <a:avLst/>
+              </a:prstGeom>
+              <a:noFill/>
+            </p:spPr>
+            <p:txBody>
+              <a:bodyPr wrap="square" rtlCol="0">
+                <a:spAutoFit/>
+              </a:bodyPr>
+              <a:lstStyle/>
+              <a:p>
+                <a14:m>
+                  <m:oMath xmlns:m="http://schemas.openxmlformats.org/officeDocument/2006/math">
+                    <m:sSub>
+                      <m:sSubPr>
+                        <m:ctrlPr>
+                          <a:rPr lang="en-US" sz="2000" i="1" smtClean="0">
+                            <a:latin typeface="Cambria Math" panose="02040503050406030204" pitchFamily="18" charset="0"/>
+                          </a:rPr>
+                        </m:ctrlPr>
+                      </m:sSubPr>
+                      <m:e>
+                        <m:acc>
+                          <m:accPr>
+                            <m:chr m:val="̅"/>
+                            <m:ctrlPr>
+                              <a:rPr lang="nb-NO" sz="2000" i="1">
+                                <a:latin typeface="Cambria Math" panose="02040503050406030204" pitchFamily="18" charset="0"/>
+                              </a:rPr>
+                            </m:ctrlPr>
+                          </m:accPr>
+                          <m:e>
+                            <m:r>
+                              <a:rPr lang="nb-NO" sz="2000" i="1">
+                                <a:latin typeface="Cambria Math" charset="0"/>
+                              </a:rPr>
+                              <m:t>𝑥</m:t>
+                            </m:r>
+                          </m:e>
+                        </m:acc>
+                      </m:e>
+                      <m:sub>
+                        <m:r>
+                          <a:rPr lang="nb-NO" sz="2000" b="0" i="1" smtClean="0">
+                            <a:latin typeface="Cambria Math" panose="02040503050406030204" pitchFamily="18" charset="0"/>
+                          </a:rPr>
+                          <m:t>𝐴</m:t>
+                        </m:r>
+                        <m:r>
+                          <a:rPr lang="nb-NO" sz="2000" b="0" i="1" smtClean="0">
+                            <a:latin typeface="Cambria Math" panose="02040503050406030204" pitchFamily="18" charset="0"/>
+                          </a:rPr>
+                          <m:t>1</m:t>
+                        </m:r>
+                      </m:sub>
+                    </m:sSub>
+                  </m:oMath>
+                </a14:m>
+                <a:r>
+                  <a:rPr lang="nb-NO" sz="2000" dirty="0"/>
+                  <a:t>,</a:t>
+                </a:r>
+              </a:p>
+              <a:p>
+                <a:pPr/>
+                <a14:m>
+                  <m:oMathPara xmlns:m="http://schemas.openxmlformats.org/officeDocument/2006/math">
+                    <m:oMathParaPr>
+                      <m:jc m:val="left"/>
+                    </m:oMathParaPr>
+                    <m:oMath xmlns:m="http://schemas.openxmlformats.org/officeDocument/2006/math">
+                      <m:sSub>
+                        <m:sSubPr>
+                          <m:ctrlPr>
+                            <a:rPr lang="en-US" sz="2000" i="1">
+                              <a:latin typeface="Cambria Math" panose="02040503050406030204" pitchFamily="18" charset="0"/>
+                            </a:rPr>
+                          </m:ctrlPr>
+                        </m:sSubPr>
+                        <m:e>
+                          <m:acc>
+                            <m:accPr>
+                              <m:chr m:val="̅"/>
+                              <m:ctrlPr>
+                                <a:rPr lang="nb-NO" sz="2000" i="1">
+                                  <a:latin typeface="Cambria Math" panose="02040503050406030204" pitchFamily="18" charset="0"/>
+                                </a:rPr>
+                              </m:ctrlPr>
+                            </m:accPr>
+                            <m:e>
+                              <m:r>
+                                <a:rPr lang="nb-NO" sz="2000" b="0" i="1" smtClean="0">
+                                  <a:latin typeface="Cambria Math" charset="0"/>
+                                </a:rPr>
+                                <m:t>𝑃</m:t>
+                              </m:r>
+                            </m:e>
+                          </m:acc>
+                        </m:e>
+                        <m:sub>
+                          <m:r>
+                            <a:rPr lang="nb-NO" sz="2000" b="0" i="1" smtClean="0">
+                              <a:latin typeface="Cambria Math" panose="02040503050406030204" pitchFamily="18" charset="0"/>
+                            </a:rPr>
+                            <m:t>𝐴</m:t>
+                          </m:r>
+                          <m:r>
+                            <a:rPr lang="nb-NO" sz="2000" b="0" i="1" smtClean="0">
+                              <a:latin typeface="Cambria Math" panose="02040503050406030204" pitchFamily="18" charset="0"/>
+                            </a:rPr>
+                            <m:t>1</m:t>
+                          </m:r>
+                        </m:sub>
+                      </m:sSub>
+                    </m:oMath>
+                  </m:oMathPara>
+                </a14:m>
+                <a:endParaRPr lang="nb-NO" sz="2000" dirty="0"/>
+              </a:p>
+            </p:txBody>
+          </p:sp>
+        </mc:Choice>
+        <mc:Fallback xmlns="">
+          <p:sp>
+            <p:nvSpPr>
+              <p:cNvPr id="41" name="TekstSylinder 40"/>
+              <p:cNvSpPr txBox="1">
+                <a:spLocks noRot="1" noChangeAspect="1" noMove="1" noResize="1" noEditPoints="1" noAdjustHandles="1" noChangeArrowheads="1" noChangeShapeType="1" noTextEdit="1"/>
+              </p:cNvSpPr>
+              <p:nvPr/>
+            </p:nvSpPr>
+            <p:spPr>
+              <a:xfrm>
+                <a:off x="9505082" y="3343816"/>
+                <a:ext cx="663079" cy="707886"/>
+              </a:xfrm>
+              <a:prstGeom prst="rect">
+                <a:avLst/>
+              </a:prstGeom>
+              <a:blipFill>
+                <a:blip r:embed="rId4"/>
+                <a:stretch>
+                  <a:fillRect t="-5172" r="-917"/>
+                </a:stretch>
+              </a:blipFill>
+            </p:spPr>
+            <p:txBody>
+              <a:bodyPr/>
+              <a:lstStyle/>
+              <a:p>
+                <a:r>
+                  <a:rPr lang="nb-NO">
+                    <a:noFill/>
+                  </a:rPr>
+                  <a:t> </a:t>
+                </a:r>
+              </a:p>
+            </p:txBody>
+          </p:sp>
+        </mc:Fallback>
+      </mc:AlternateContent>
       <p:cxnSp>
         <p:nvCxnSpPr>
-          <p:cNvPr id="35" name="Rett linje 34"/>
+          <p:cNvPr id="32" name="Rett pilkobling 31"/>
           <p:cNvCxnSpPr>
             <a:cxnSpLocks/>
           </p:cNvCxnSpPr>
           <p:nvPr/>
         </p:nvCxnSpPr>
         <p:spPr>
-          <a:xfrm>
-            <a:off x="3666120" y="1561847"/>
-            <a:ext cx="5507344" cy="1423748"/>
+          <a:xfrm flipH="1">
+            <a:off x="11129108" y="393447"/>
+            <a:ext cx="325132" cy="842497"/>
           </a:xfrm>
-          <a:prstGeom prst="line">
+          <a:prstGeom prst="straightConnector1">
             <a:avLst/>
           </a:prstGeom>
-          <a:ln w="12700">
-            <a:prstDash val="sysDot"/>
+          <a:ln w="50800">
+            <a:solidFill>
+              <a:srgbClr val="FF0000"/>
+            </a:solidFill>
+            <a:headEnd type="oval"/>
             <a:tailEnd type="triangle"/>
           </a:ln>
         </p:spPr>
@@ -3881,14 +4069,14 @@
       </p:cxnSp>
       <p:sp>
         <p:nvSpPr>
-          <p:cNvPr id="50" name="TekstSylinder 49"/>
+          <p:cNvPr id="34" name="TekstSylinder 33"/>
           <p:cNvSpPr txBox="1"/>
           <p:nvPr/>
         </p:nvSpPr>
         <p:spPr>
           <a:xfrm>
-            <a:off x="0" y="762057"/>
-            <a:ext cx="2046637" cy="400110"/>
+            <a:off x="10405172" y="193392"/>
+            <a:ext cx="1076948" cy="400110"/>
           </a:xfrm>
           <a:prstGeom prst="rect">
             <a:avLst/>
@@ -3902,41 +4090,394 @@
           <a:lstStyle/>
           <a:p>
             <a:r>
-              <a:rPr lang="nb-NO" sz="2000" dirty="0" err="1"/>
-              <a:t>Current</a:t>
-            </a:r>
-            <a:r>
               <a:rPr lang="nb-NO" sz="2000" dirty="0"/>
-              <a:t> </a:t>
-            </a:r>
-            <a:r>
-              <a:rPr lang="nb-NO" sz="2000" dirty="0" err="1"/>
-              <a:t>leaf</a:t>
-            </a:r>
-            <a:r>
-              <a:rPr lang="nb-NO" sz="2000" dirty="0"/>
-              <a:t> node</a:t>
-            </a:r>
+              <a:t>A2(t=2)</a:t>
+            </a:r>
+          </a:p>
+        </p:txBody>
+      </p:sp>
+      <mc:AlternateContent xmlns:mc="http://schemas.openxmlformats.org/markup-compatibility/2006" xmlns:a14="http://schemas.microsoft.com/office/drawing/2010/main">
+        <mc:Choice Requires="a14">
+          <p:sp>
+            <p:nvSpPr>
+              <p:cNvPr id="39" name="TekstSylinder 38"/>
+              <p:cNvSpPr txBox="1"/>
+              <p:nvPr/>
+            </p:nvSpPr>
+            <p:spPr>
+              <a:xfrm>
+                <a:off x="23946" y="1513550"/>
+                <a:ext cx="540301" cy="1015663"/>
+              </a:xfrm>
+              <a:prstGeom prst="rect">
+                <a:avLst/>
+              </a:prstGeom>
+              <a:noFill/>
+            </p:spPr>
+            <p:txBody>
+              <a:bodyPr wrap="square" rtlCol="0">
+                <a:spAutoFit/>
+              </a:bodyPr>
+              <a:lstStyle/>
+              <a:p>
+                <a14:m>
+                  <m:oMath xmlns:m="http://schemas.openxmlformats.org/officeDocument/2006/math">
+                    <m:sSub>
+                      <m:sSubPr>
+                        <m:ctrlPr>
+                          <a:rPr lang="en-US" sz="2000" i="1" smtClean="0">
+                            <a:latin typeface="Cambria Math" panose="02040503050406030204" pitchFamily="18" charset="0"/>
+                          </a:rPr>
+                        </m:ctrlPr>
+                      </m:sSubPr>
+                      <m:e>
+                        <m:acc>
+                          <m:accPr>
+                            <m:chr m:val="̅"/>
+                            <m:ctrlPr>
+                              <a:rPr lang="nb-NO" sz="2000" i="1">
+                                <a:latin typeface="Cambria Math" panose="02040503050406030204" pitchFamily="18" charset="0"/>
+                              </a:rPr>
+                            </m:ctrlPr>
+                          </m:accPr>
+                          <m:e>
+                            <m:r>
+                              <a:rPr lang="nb-NO" sz="2000" i="1">
+                                <a:latin typeface="Cambria Math" charset="0"/>
+                              </a:rPr>
+                              <m:t>𝑥</m:t>
+                            </m:r>
+                          </m:e>
+                        </m:acc>
+                      </m:e>
+                      <m:sub>
+                        <m:r>
+                          <a:rPr lang="nb-NO" sz="2000" b="0" i="1" smtClean="0">
+                            <a:latin typeface="Cambria Math" panose="02040503050406030204" pitchFamily="18" charset="0"/>
+                          </a:rPr>
+                          <m:t>0</m:t>
+                        </m:r>
+                      </m:sub>
+                    </m:sSub>
+                  </m:oMath>
+                </a14:m>
+                <a:r>
+                  <a:rPr lang="nb-NO" sz="2000" dirty="0"/>
+                  <a:t>,</a:t>
+                </a:r>
+              </a:p>
+              <a:p>
+                <a:pPr/>
+                <a14:m>
+                  <m:oMathPara xmlns:m="http://schemas.openxmlformats.org/officeDocument/2006/math">
+                    <m:oMathParaPr>
+                      <m:jc m:val="left"/>
+                    </m:oMathParaPr>
+                    <m:oMath xmlns:m="http://schemas.openxmlformats.org/officeDocument/2006/math">
+                      <m:sSub>
+                        <m:sSubPr>
+                          <m:ctrlPr>
+                            <a:rPr lang="en-US" sz="2000" i="1">
+                              <a:latin typeface="Cambria Math" panose="02040503050406030204" pitchFamily="18" charset="0"/>
+                            </a:rPr>
+                          </m:ctrlPr>
+                        </m:sSubPr>
+                        <m:e>
+                          <m:acc>
+                            <m:accPr>
+                              <m:chr m:val="̅"/>
+                              <m:ctrlPr>
+                                <a:rPr lang="nb-NO" sz="2000" i="1">
+                                  <a:latin typeface="Cambria Math" panose="02040503050406030204" pitchFamily="18" charset="0"/>
+                                </a:rPr>
+                              </m:ctrlPr>
+                            </m:accPr>
+                            <m:e>
+                              <m:r>
+                                <a:rPr lang="nb-NO" sz="2000" b="0" i="1" smtClean="0">
+                                  <a:latin typeface="Cambria Math" charset="0"/>
+                                </a:rPr>
+                                <m:t>𝑃</m:t>
+                              </m:r>
+                            </m:e>
+                          </m:acc>
+                        </m:e>
+                        <m:sub>
+                          <m:r>
+                            <a:rPr lang="nb-NO" sz="2000" b="0" i="1" smtClean="0">
+                              <a:latin typeface="Cambria Math" panose="02040503050406030204" pitchFamily="18" charset="0"/>
+                            </a:rPr>
+                            <m:t>0</m:t>
+                          </m:r>
+                        </m:sub>
+                      </m:sSub>
+                    </m:oMath>
+                  </m:oMathPara>
+                </a14:m>
+                <a:endParaRPr lang="nb-NO" sz="2000" dirty="0"/>
+              </a:p>
+              <a:p>
+                <a:r>
+                  <a:rPr lang="nb-NO" sz="2000" dirty="0"/>
+                  <a:t>t=0</a:t>
+                </a:r>
+              </a:p>
+            </p:txBody>
+          </p:sp>
+        </mc:Choice>
+        <mc:Fallback xmlns="">
+          <p:sp>
+            <p:nvSpPr>
+              <p:cNvPr id="39" name="TekstSylinder 38"/>
+              <p:cNvSpPr txBox="1">
+                <a:spLocks noRot="1" noChangeAspect="1" noMove="1" noResize="1" noEditPoints="1" noAdjustHandles="1" noChangeArrowheads="1" noChangeShapeType="1" noTextEdit="1"/>
+              </p:cNvSpPr>
+              <p:nvPr/>
+            </p:nvSpPr>
+            <p:spPr>
+              <a:xfrm>
+                <a:off x="23946" y="1513550"/>
+                <a:ext cx="540301" cy="1015663"/>
+              </a:xfrm>
+              <a:prstGeom prst="rect">
+                <a:avLst/>
+              </a:prstGeom>
+              <a:blipFill>
+                <a:blip r:embed="rId5"/>
+                <a:stretch>
+                  <a:fillRect l="-12360" t="-2994" r="-11236" b="-9581"/>
+                </a:stretch>
+              </a:blipFill>
+            </p:spPr>
+            <p:txBody>
+              <a:bodyPr/>
+              <a:lstStyle/>
+              <a:p>
+                <a:r>
+                  <a:rPr lang="nb-NO">
+                    <a:noFill/>
+                  </a:rPr>
+                  <a:t> </a:t>
+                </a:r>
+              </a:p>
+            </p:txBody>
+          </p:sp>
+        </mc:Fallback>
+      </mc:AlternateContent>
+      <p:cxnSp>
+        <p:nvCxnSpPr>
+          <p:cNvPr id="6" name="Rett pil 5"/>
+          <p:cNvCxnSpPr>
+            <a:cxnSpLocks/>
+          </p:cNvCxnSpPr>
+          <p:nvPr/>
+        </p:nvCxnSpPr>
+        <p:spPr>
+          <a:xfrm>
+            <a:off x="284576" y="1424896"/>
+            <a:ext cx="3156048" cy="1062582"/>
+          </a:xfrm>
+          <a:prstGeom prst="straightConnector1">
+            <a:avLst/>
+          </a:prstGeom>
+          <a:ln w="28575">
+            <a:tailEnd type="triangle"/>
+          </a:ln>
+        </p:spPr>
+        <p:style>
+          <a:lnRef idx="1">
+            <a:schemeClr val="accent1"/>
+          </a:lnRef>
+          <a:fillRef idx="0">
+            <a:schemeClr val="accent1"/>
+          </a:fillRef>
+          <a:effectRef idx="0">
+            <a:schemeClr val="accent1"/>
+          </a:effectRef>
+          <a:fontRef idx="minor">
+            <a:schemeClr val="tx1"/>
+          </a:fontRef>
+        </p:style>
+      </p:cxnSp>
+      <p:cxnSp>
+        <p:nvCxnSpPr>
+          <p:cNvPr id="45" name="Rett pilkobling 44"/>
+          <p:cNvCxnSpPr>
+            <a:cxnSpLocks/>
+          </p:cNvCxnSpPr>
+          <p:nvPr/>
+        </p:nvCxnSpPr>
+        <p:spPr>
+          <a:xfrm>
+            <a:off x="3546764" y="1917659"/>
+            <a:ext cx="432805" cy="103880"/>
+          </a:xfrm>
+          <a:prstGeom prst="straightConnector1">
+            <a:avLst/>
+          </a:prstGeom>
+          <a:ln w="50800">
+            <a:solidFill>
+              <a:srgbClr val="00B050"/>
+            </a:solidFill>
+            <a:headEnd type="oval"/>
+            <a:tailEnd type="triangle"/>
+          </a:ln>
+        </p:spPr>
+        <p:style>
+          <a:lnRef idx="1">
+            <a:schemeClr val="accent2"/>
+          </a:lnRef>
+          <a:fillRef idx="0">
+            <a:schemeClr val="accent2"/>
+          </a:fillRef>
+          <a:effectRef idx="0">
+            <a:schemeClr val="accent2"/>
+          </a:effectRef>
+          <a:fontRef idx="minor">
+            <a:schemeClr val="tx1"/>
+          </a:fontRef>
+        </p:style>
+      </p:cxnSp>
+      <p:sp>
+        <p:nvSpPr>
+          <p:cNvPr id="46" name="Ellipse 45"/>
+          <p:cNvSpPr/>
+          <p:nvPr/>
+        </p:nvSpPr>
+        <p:spPr>
+          <a:xfrm>
+            <a:off x="7258617" y="3685073"/>
+            <a:ext cx="184166" cy="184166"/>
+          </a:xfrm>
+          <a:prstGeom prst="ellipse">
+            <a:avLst/>
+          </a:prstGeom>
+          <a:solidFill>
+            <a:schemeClr val="tx1"/>
+          </a:solidFill>
+          <a:ln>
+            <a:noFill/>
+          </a:ln>
+        </p:spPr>
+        <p:style>
+          <a:lnRef idx="2">
+            <a:schemeClr val="accent1">
+              <a:shade val="50000"/>
+            </a:schemeClr>
+          </a:lnRef>
+          <a:fillRef idx="1">
+            <a:schemeClr val="accent1"/>
+          </a:fillRef>
+          <a:effectRef idx="0">
+            <a:schemeClr val="accent1"/>
+          </a:effectRef>
+          <a:fontRef idx="minor">
+            <a:schemeClr val="lt1"/>
+          </a:fontRef>
+        </p:style>
+        <p:txBody>
+          <a:bodyPr rtlCol="0" anchor="ctr"/>
+          <a:lstStyle/>
+          <a:p>
+            <a:pPr algn="ctr"/>
+            <a:endParaRPr lang="nb-NO" dirty="0"/>
+          </a:p>
+        </p:txBody>
+      </p:sp>
+      <p:cxnSp>
+        <p:nvCxnSpPr>
+          <p:cNvPr id="47" name="Rett pil 5"/>
+          <p:cNvCxnSpPr>
+            <a:cxnSpLocks/>
+          </p:cNvCxnSpPr>
+          <p:nvPr/>
+        </p:nvCxnSpPr>
+        <p:spPr>
+          <a:xfrm>
+            <a:off x="294468" y="1425844"/>
+            <a:ext cx="7043979" cy="2332495"/>
+          </a:xfrm>
+          <a:prstGeom prst="straightConnector1">
+            <a:avLst/>
+          </a:prstGeom>
+          <a:ln w="28575">
+            <a:tailEnd type="triangle"/>
+          </a:ln>
+        </p:spPr>
+        <p:style>
+          <a:lnRef idx="1">
+            <a:schemeClr val="accent1"/>
+          </a:lnRef>
+          <a:fillRef idx="0">
+            <a:schemeClr val="accent1"/>
+          </a:fillRef>
+          <a:effectRef idx="0">
+            <a:schemeClr val="accent1"/>
+          </a:effectRef>
+          <a:fontRef idx="minor">
+            <a:schemeClr val="tx1"/>
+          </a:fontRef>
+        </p:style>
+      </p:cxnSp>
+      <p:sp>
+        <p:nvSpPr>
+          <p:cNvPr id="51" name="Ellipse 50"/>
+          <p:cNvSpPr/>
+          <p:nvPr/>
+        </p:nvSpPr>
+        <p:spPr>
+          <a:xfrm>
+            <a:off x="5725596" y="2148388"/>
+            <a:ext cx="3282822" cy="3245848"/>
+          </a:xfrm>
+          <a:prstGeom prst="ellipse">
+            <a:avLst/>
+          </a:prstGeom>
+          <a:noFill/>
+          <a:ln w="19050"/>
+        </p:spPr>
+        <p:style>
+          <a:lnRef idx="2">
+            <a:schemeClr val="accent1">
+              <a:shade val="50000"/>
+            </a:schemeClr>
+          </a:lnRef>
+          <a:fillRef idx="1">
+            <a:schemeClr val="accent1"/>
+          </a:fillRef>
+          <a:effectRef idx="0">
+            <a:schemeClr val="accent1"/>
+          </a:effectRef>
+          <a:fontRef idx="minor">
+            <a:schemeClr val="lt1"/>
+          </a:fontRef>
+        </p:style>
+        <p:txBody>
+          <a:bodyPr rtlCol="0" anchor="ctr"/>
+          <a:lstStyle/>
+          <a:p>
+            <a:pPr algn="ctr"/>
+            <a:endParaRPr lang="nb-NO"/>
           </a:p>
         </p:txBody>
       </p:sp>
       <p:grpSp>
         <p:nvGrpSpPr>
-          <p:cNvPr id="36" name="Gruppe 35"/>
+          <p:cNvPr id="52" name="Gruppe 51"/>
           <p:cNvGrpSpPr/>
           <p:nvPr/>
         </p:nvGrpSpPr>
         <p:grpSpPr>
           <a:xfrm>
-            <a:off x="125007" y="1327654"/>
-            <a:ext cx="540301" cy="1080743"/>
-            <a:chOff x="6635908" y="2208810"/>
-            <a:chExt cx="313555" cy="627191"/>
+            <a:off x="10936371" y="1964222"/>
+            <a:ext cx="517869" cy="511867"/>
+            <a:chOff x="6578929" y="2208810"/>
+            <a:chExt cx="300537" cy="297054"/>
           </a:xfrm>
         </p:grpSpPr>
         <p:sp>
           <p:nvSpPr>
-            <p:cNvPr id="37" name="Ellipse 36"/>
+            <p:cNvPr id="53" name="Ellipse 52"/>
             <p:cNvSpPr/>
             <p:nvPr/>
           </p:nvSpPr>
@@ -3948,9 +4489,6 @@
             <a:prstGeom prst="ellipse">
               <a:avLst/>
             </a:prstGeom>
-            <a:solidFill>
-              <a:schemeClr val="tx1"/>
-            </a:solidFill>
             <a:ln>
               <a:noFill/>
             </a:ln>
@@ -3976,20 +4514,20 @@
             <a:lstStyle/>
             <a:p>
               <a:pPr algn="ctr"/>
-              <a:endParaRPr lang="nb-NO" dirty="0"/>
+              <a:endParaRPr lang="nb-NO"/>
             </a:p>
           </p:txBody>
         </p:sp>
         <p:sp>
           <p:nvSpPr>
-            <p:cNvPr id="38" name="TekstSylinder 37"/>
+            <p:cNvPr id="54" name="TekstSylinder 53"/>
             <p:cNvSpPr txBox="1"/>
             <p:nvPr/>
           </p:nvSpPr>
           <p:spPr>
             <a:xfrm>
-              <a:off x="6635908" y="2425191"/>
-              <a:ext cx="313555" cy="410810"/>
+              <a:off x="6578929" y="2273667"/>
+              <a:ext cx="300537" cy="232197"/>
             </a:xfrm>
             <a:prstGeom prst="rect">
               <a:avLst/>
@@ -4003,340 +4541,323 @@
             <a:lstStyle/>
             <a:p>
               <a:r>
-                <a:rPr lang="nb-NO" sz="2000" dirty="0" smtClean="0"/>
-                <a:t>X0, P0</a:t>
+                <a:rPr lang="nb-NO" sz="2000" dirty="0"/>
+                <a:t>R3</a:t>
               </a:r>
-              <a:endParaRPr lang="nb-NO" sz="2000" dirty="0"/>
             </a:p>
           </p:txBody>
         </p:sp>
       </p:grpSp>
-      <mc:AlternateContent xmlns:mc="http://schemas.openxmlformats.org/markup-compatibility/2006">
-        <mc:Choice xmlns:a14="http://schemas.microsoft.com/office/drawing/2010/main" Requires="a14">
-          <p:sp>
-            <p:nvSpPr>
-              <p:cNvPr id="40" name="TekstSylinder 39"/>
-              <p:cNvSpPr txBox="1"/>
-              <p:nvPr/>
-            </p:nvSpPr>
-            <p:spPr>
-              <a:xfrm>
-                <a:off x="2922847" y="2693593"/>
-                <a:ext cx="540301" cy="707886"/>
-              </a:xfrm>
-              <a:prstGeom prst="rect">
-                <a:avLst/>
-              </a:prstGeom>
-              <a:noFill/>
-            </p:spPr>
-            <p:txBody>
-              <a:bodyPr wrap="square" rtlCol="0">
-                <a:spAutoFit/>
-              </a:bodyPr>
-              <a:lstStyle/>
-              <a:p>
-                <a:pPr/>
-                <a14:m>
-                  <m:oMath xmlns:m="http://schemas.openxmlformats.org/officeDocument/2006/math">
-                    <m:sSub>
-                      <m:sSubPr>
-                        <m:ctrlPr>
-                          <a:rPr lang="en-US" sz="2000" i="1" smtClean="0">
-                            <a:latin typeface="Cambria Math" charset="0"/>
-                          </a:rPr>
-                        </m:ctrlPr>
-                      </m:sSubPr>
-                      <m:e>
-                        <m:acc>
-                          <m:accPr>
-                            <m:chr m:val="̅"/>
-                            <m:ctrlPr>
-                              <a:rPr lang="nb-NO" sz="2000" i="1">
-                                <a:latin typeface="Cambria Math" charset="0"/>
-                              </a:rPr>
-                            </m:ctrlPr>
-                          </m:accPr>
-                          <m:e>
-                            <m:r>
-                              <a:rPr lang="nb-NO" sz="2000" i="1">
-                                <a:latin typeface="Cambria Math" charset="0"/>
-                              </a:rPr>
-                              <m:t>𝑥</m:t>
-                            </m:r>
-                          </m:e>
-                        </m:acc>
-                      </m:e>
-                      <m:sub>
-                        <m:r>
-                          <a:rPr lang="nb-NO" sz="2000" b="0" i="1" smtClean="0">
-                            <a:latin typeface="Cambria Math" charset="0"/>
-                          </a:rPr>
-                          <m:t>2</m:t>
-                        </m:r>
-                      </m:sub>
-                    </m:sSub>
-                  </m:oMath>
-                </a14:m>
-                <a:r>
-                  <a:rPr lang="nb-NO" sz="2000" dirty="0" smtClean="0"/>
-                  <a:t>,</a:t>
-                </a:r>
-              </a:p>
-              <a:p>
-                <a:pPr/>
-                <a14:m>
-                  <m:oMathPara xmlns:m="http://schemas.openxmlformats.org/officeDocument/2006/math">
-                    <m:oMathParaPr>
-                      <m:jc m:val="left"/>
-                    </m:oMathParaPr>
-                    <m:oMath xmlns:m="http://schemas.openxmlformats.org/officeDocument/2006/math">
-                      <m:sSub>
-                        <m:sSubPr>
-                          <m:ctrlPr>
-                            <a:rPr lang="en-US" sz="2000" i="1">
-                              <a:latin typeface="Cambria Math" charset="0"/>
-                            </a:rPr>
-                          </m:ctrlPr>
-                        </m:sSubPr>
-                        <m:e>
-                          <m:acc>
-                            <m:accPr>
-                              <m:chr m:val="̅"/>
-                              <m:ctrlPr>
-                                <a:rPr lang="nb-NO" sz="2000" i="1">
-                                  <a:latin typeface="Cambria Math" charset="0"/>
-                                </a:rPr>
-                              </m:ctrlPr>
-                            </m:accPr>
-                            <m:e>
-                              <m:r>
-                                <a:rPr lang="nb-NO" sz="2000" b="0" i="1" smtClean="0">
-                                  <a:latin typeface="Cambria Math" charset="0"/>
-                                </a:rPr>
-                                <m:t>𝑃</m:t>
-                              </m:r>
-                            </m:e>
-                          </m:acc>
-                        </m:e>
-                        <m:sub>
-                          <m:r>
-                            <a:rPr lang="nb-NO" sz="2000" b="0" i="1" smtClean="0">
-                              <a:latin typeface="Cambria Math" charset="0"/>
-                            </a:rPr>
-                            <m:t>2</m:t>
-                          </m:r>
-                        </m:sub>
-                      </m:sSub>
-                    </m:oMath>
-                  </m:oMathPara>
-                </a14:m>
-                <a:endParaRPr lang="nb-NO" sz="2000" dirty="0"/>
-              </a:p>
-            </p:txBody>
-          </p:sp>
-        </mc:Choice>
-        <mc:Fallback>
-          <p:sp>
-            <p:nvSpPr>
-              <p:cNvPr id="40" name="TekstSylinder 39"/>
-              <p:cNvSpPr txBox="1">
-                <a:spLocks noRot="1" noChangeAspect="1" noMove="1" noResize="1" noEditPoints="1" noAdjustHandles="1" noChangeArrowheads="1" noChangeShapeType="1" noTextEdit="1"/>
-              </p:cNvSpPr>
-              <p:nvPr/>
-            </p:nvSpPr>
-            <p:spPr>
-              <a:xfrm>
-                <a:off x="2922847" y="2693593"/>
-                <a:ext cx="540301" cy="707886"/>
-              </a:xfrm>
-              <a:prstGeom prst="rect">
-                <a:avLst/>
-              </a:prstGeom>
-              <a:blipFill rotWithShape="0">
-                <a:blip r:embed="rId3"/>
-                <a:stretch>
-                  <a:fillRect t="-5172" r="-12360"/>
-                </a:stretch>
-              </a:blipFill>
-            </p:spPr>
-            <p:txBody>
-              <a:bodyPr/>
-              <a:lstStyle/>
-              <a:p>
-                <a:r>
-                  <a:rPr lang="nb-NO">
-                    <a:noFill/>
-                  </a:rPr>
-                  <a:t> </a:t>
-                </a:r>
-              </a:p>
-            </p:txBody>
-          </p:sp>
-        </mc:Fallback>
-      </mc:AlternateContent>
-      <mc:AlternateContent xmlns:mc="http://schemas.openxmlformats.org/markup-compatibility/2006">
-        <mc:Choice xmlns:a14="http://schemas.microsoft.com/office/drawing/2010/main" Requires="a14">
-          <p:sp>
-            <p:nvSpPr>
-              <p:cNvPr id="41" name="TekstSylinder 40"/>
-              <p:cNvSpPr txBox="1"/>
-              <p:nvPr/>
-            </p:nvSpPr>
-            <p:spPr>
-              <a:xfrm>
-                <a:off x="9505082" y="3343816"/>
-                <a:ext cx="540301" cy="707886"/>
-              </a:xfrm>
-              <a:prstGeom prst="rect">
-                <a:avLst/>
-              </a:prstGeom>
-              <a:noFill/>
-            </p:spPr>
-            <p:txBody>
-              <a:bodyPr wrap="square" rtlCol="0">
-                <a:spAutoFit/>
-              </a:bodyPr>
-              <a:lstStyle/>
-              <a:p>
-                <a:pPr/>
-                <a14:m>
-                  <m:oMath xmlns:m="http://schemas.openxmlformats.org/officeDocument/2006/math">
-                    <m:sSub>
-                      <m:sSubPr>
-                        <m:ctrlPr>
-                          <a:rPr lang="en-US" sz="2000" i="1" smtClean="0">
-                            <a:latin typeface="Cambria Math" charset="0"/>
-                          </a:rPr>
-                        </m:ctrlPr>
-                      </m:sSubPr>
-                      <m:e>
-                        <m:acc>
-                          <m:accPr>
-                            <m:chr m:val="̅"/>
-                            <m:ctrlPr>
-                              <a:rPr lang="nb-NO" sz="2000" i="1">
-                                <a:latin typeface="Cambria Math" charset="0"/>
-                              </a:rPr>
-                            </m:ctrlPr>
-                          </m:accPr>
-                          <m:e>
-                            <m:r>
-                              <a:rPr lang="nb-NO" sz="2000" i="1">
-                                <a:latin typeface="Cambria Math" charset="0"/>
-                              </a:rPr>
-                              <m:t>𝑥</m:t>
-                            </m:r>
-                          </m:e>
-                        </m:acc>
-                      </m:e>
-                      <m:sub>
-                        <m:r>
-                          <a:rPr lang="nb-NO" sz="2000" b="0" i="1" smtClean="0">
-                            <a:latin typeface="Cambria Math" charset="0"/>
-                          </a:rPr>
-                          <m:t>3</m:t>
-                        </m:r>
-                      </m:sub>
-                    </m:sSub>
-                  </m:oMath>
-                </a14:m>
-                <a:r>
-                  <a:rPr lang="nb-NO" sz="2000" dirty="0" smtClean="0"/>
-                  <a:t>,</a:t>
-                </a:r>
-              </a:p>
-              <a:p>
-                <a:pPr/>
-                <a14:m>
-                  <m:oMathPara xmlns:m="http://schemas.openxmlformats.org/officeDocument/2006/math">
-                    <m:oMathParaPr>
-                      <m:jc m:val="left"/>
-                    </m:oMathParaPr>
-                    <m:oMath xmlns:m="http://schemas.openxmlformats.org/officeDocument/2006/math">
-                      <m:sSub>
-                        <m:sSubPr>
-                          <m:ctrlPr>
-                            <a:rPr lang="en-US" sz="2000" i="1">
-                              <a:latin typeface="Cambria Math" charset="0"/>
-                            </a:rPr>
-                          </m:ctrlPr>
-                        </m:sSubPr>
-                        <m:e>
-                          <m:acc>
-                            <m:accPr>
-                              <m:chr m:val="̅"/>
-                              <m:ctrlPr>
-                                <a:rPr lang="nb-NO" sz="2000" i="1">
-                                  <a:latin typeface="Cambria Math" charset="0"/>
-                                </a:rPr>
-                              </m:ctrlPr>
-                            </m:accPr>
-                            <m:e>
-                              <m:r>
-                                <a:rPr lang="nb-NO" sz="2000" b="0" i="1" smtClean="0">
-                                  <a:latin typeface="Cambria Math" charset="0"/>
-                                </a:rPr>
-                                <m:t>𝑃</m:t>
-                              </m:r>
-                            </m:e>
-                          </m:acc>
-                        </m:e>
-                        <m:sub>
-                          <m:r>
-                            <a:rPr lang="nb-NO" sz="2000" b="0" i="1" smtClean="0">
-                              <a:latin typeface="Cambria Math" charset="0"/>
-                            </a:rPr>
-                            <m:t>3</m:t>
-                          </m:r>
-                        </m:sub>
-                      </m:sSub>
-                    </m:oMath>
-                  </m:oMathPara>
-                </a14:m>
-                <a:endParaRPr lang="nb-NO" sz="2000" dirty="0"/>
-              </a:p>
-            </p:txBody>
-          </p:sp>
-        </mc:Choice>
-        <mc:Fallback>
-          <p:sp>
-            <p:nvSpPr>
-              <p:cNvPr id="41" name="TekstSylinder 40"/>
-              <p:cNvSpPr txBox="1">
-                <a:spLocks noRot="1" noChangeAspect="1" noMove="1" noResize="1" noEditPoints="1" noAdjustHandles="1" noChangeArrowheads="1" noChangeShapeType="1" noTextEdit="1"/>
-              </p:cNvSpPr>
-              <p:nvPr/>
-            </p:nvSpPr>
-            <p:spPr>
-              <a:xfrm>
-                <a:off x="9505082" y="3343816"/>
-                <a:ext cx="540301" cy="707886"/>
-              </a:xfrm>
-              <a:prstGeom prst="rect">
-                <a:avLst/>
-              </a:prstGeom>
-              <a:blipFill rotWithShape="0">
-                <a:blip r:embed="rId4"/>
-                <a:stretch>
-                  <a:fillRect t="-5172" r="-12360"/>
-                </a:stretch>
-              </a:blipFill>
-            </p:spPr>
-            <p:txBody>
-              <a:bodyPr/>
-              <a:lstStyle/>
-              <a:p>
-                <a:r>
-                  <a:rPr lang="nb-NO">
-                    <a:noFill/>
-                  </a:rPr>
-                  <a:t> </a:t>
-                </a:r>
-              </a:p>
-            </p:txBody>
-          </p:sp>
-        </mc:Fallback>
-      </mc:AlternateContent>
+      <p:sp>
+        <p:nvSpPr>
+          <p:cNvPr id="35" name="Ellipse 34"/>
+          <p:cNvSpPr/>
+          <p:nvPr/>
+        </p:nvSpPr>
+        <p:spPr>
+          <a:xfrm>
+            <a:off x="2215493" y="1318791"/>
+            <a:ext cx="2436926" cy="2409478"/>
+          </a:xfrm>
+          <a:prstGeom prst="ellipse">
+            <a:avLst/>
+          </a:prstGeom>
+          <a:noFill/>
+          <a:ln w="19050">
+            <a:prstDash val="sysDot"/>
+          </a:ln>
+        </p:spPr>
+        <p:style>
+          <a:lnRef idx="2">
+            <a:schemeClr val="accent1">
+              <a:shade val="50000"/>
+            </a:schemeClr>
+          </a:lnRef>
+          <a:fillRef idx="1">
+            <a:schemeClr val="accent1"/>
+          </a:fillRef>
+          <a:effectRef idx="0">
+            <a:schemeClr val="accent1"/>
+          </a:effectRef>
+          <a:fontRef idx="minor">
+            <a:schemeClr val="lt1"/>
+          </a:fontRef>
+        </p:style>
+        <p:txBody>
+          <a:bodyPr rtlCol="0" anchor="ctr"/>
+          <a:lstStyle/>
+          <a:p>
+            <a:pPr algn="ctr"/>
+            <a:endParaRPr lang="nb-NO"/>
+          </a:p>
+        </p:txBody>
+      </p:sp>
+      <p:sp>
+        <p:nvSpPr>
+          <p:cNvPr id="36" name="Ellipse 35"/>
+          <p:cNvSpPr/>
+          <p:nvPr/>
+        </p:nvSpPr>
+        <p:spPr>
+          <a:xfrm>
+            <a:off x="5498292" y="1917659"/>
+            <a:ext cx="3749538" cy="3707306"/>
+          </a:xfrm>
+          <a:prstGeom prst="ellipse">
+            <a:avLst/>
+          </a:prstGeom>
+          <a:noFill/>
+          <a:ln w="19050">
+            <a:prstDash val="sysDot"/>
+          </a:ln>
+        </p:spPr>
+        <p:style>
+          <a:lnRef idx="2">
+            <a:schemeClr val="accent1">
+              <a:shade val="50000"/>
+            </a:schemeClr>
+          </a:lnRef>
+          <a:fillRef idx="1">
+            <a:schemeClr val="accent1"/>
+          </a:fillRef>
+          <a:effectRef idx="0">
+            <a:schemeClr val="accent1"/>
+          </a:effectRef>
+          <a:fontRef idx="minor">
+            <a:schemeClr val="lt1"/>
+          </a:fontRef>
+        </p:style>
+        <p:txBody>
+          <a:bodyPr rtlCol="0" anchor="ctr"/>
+          <a:lstStyle/>
+          <a:p>
+            <a:pPr algn="ctr"/>
+            <a:endParaRPr lang="nb-NO"/>
+          </a:p>
+        </p:txBody>
+      </p:sp>
+      <p:sp>
+        <p:nvSpPr>
+          <p:cNvPr id="37" name="TekstSylinder 36"/>
+          <p:cNvSpPr txBox="1"/>
+          <p:nvPr/>
+        </p:nvSpPr>
+        <p:spPr>
+          <a:xfrm>
+            <a:off x="1780520" y="4667607"/>
+            <a:ext cx="1885600" cy="400110"/>
+          </a:xfrm>
+          <a:prstGeom prst="rect">
+            <a:avLst/>
+          </a:prstGeom>
+          <a:noFill/>
+        </p:spPr>
+        <p:txBody>
+          <a:bodyPr wrap="square" rtlCol="0">
+            <a:spAutoFit/>
+          </a:bodyPr>
+          <a:lstStyle/>
+          <a:p>
+            <a:r>
+              <a:rPr lang="nb-NO" sz="2000" dirty="0" err="1"/>
+              <a:t>Accuracy</a:t>
+            </a:r>
+            <a:r>
+              <a:rPr lang="nb-NO" sz="2000" dirty="0"/>
+              <a:t> &gt; 10m</a:t>
+            </a:r>
+          </a:p>
+        </p:txBody>
+      </p:sp>
+      <p:sp>
+        <p:nvSpPr>
+          <p:cNvPr id="38" name="TekstSylinder 37"/>
+          <p:cNvSpPr txBox="1"/>
+          <p:nvPr/>
+        </p:nvSpPr>
+        <p:spPr>
+          <a:xfrm>
+            <a:off x="3355440" y="5596935"/>
+            <a:ext cx="1885600" cy="400110"/>
+          </a:xfrm>
+          <a:prstGeom prst="rect">
+            <a:avLst/>
+          </a:prstGeom>
+          <a:noFill/>
+        </p:spPr>
+        <p:txBody>
+          <a:bodyPr wrap="square" rtlCol="0">
+            <a:spAutoFit/>
+          </a:bodyPr>
+          <a:lstStyle/>
+          <a:p>
+            <a:r>
+              <a:rPr lang="nb-NO" sz="2000" dirty="0" err="1"/>
+              <a:t>Accuracy</a:t>
+            </a:r>
+            <a:r>
+              <a:rPr lang="nb-NO" sz="2000" dirty="0"/>
+              <a:t> &lt; 10m</a:t>
+            </a:r>
+          </a:p>
+        </p:txBody>
+      </p:sp>
+      <p:cxnSp>
+        <p:nvCxnSpPr>
+          <p:cNvPr id="3" name="Rett linje 2"/>
+          <p:cNvCxnSpPr>
+            <a:cxnSpLocks/>
+            <a:stCxn id="37" idx="0"/>
+            <a:endCxn id="35" idx="4"/>
+          </p:cNvCxnSpPr>
+          <p:nvPr/>
+        </p:nvCxnSpPr>
+        <p:spPr>
+          <a:xfrm flipV="1">
+            <a:off x="2723320" y="3728269"/>
+            <a:ext cx="710636" cy="939338"/>
+          </a:xfrm>
+          <a:prstGeom prst="line">
+            <a:avLst/>
+          </a:prstGeom>
+          <a:ln>
+            <a:solidFill>
+              <a:schemeClr val="tx1"/>
+            </a:solidFill>
+          </a:ln>
+        </p:spPr>
+        <p:style>
+          <a:lnRef idx="1">
+            <a:schemeClr val="accent1"/>
+          </a:lnRef>
+          <a:fillRef idx="0">
+            <a:schemeClr val="accent1"/>
+          </a:fillRef>
+          <a:effectRef idx="0">
+            <a:schemeClr val="accent1"/>
+          </a:effectRef>
+          <a:fontRef idx="minor">
+            <a:schemeClr val="tx1"/>
+          </a:fontRef>
+        </p:style>
+      </p:cxnSp>
+      <p:cxnSp>
+        <p:nvCxnSpPr>
+          <p:cNvPr id="43" name="Rett linje 42"/>
+          <p:cNvCxnSpPr>
+            <a:cxnSpLocks/>
+            <a:stCxn id="37" idx="0"/>
+            <a:endCxn id="36" idx="2"/>
+          </p:cNvCxnSpPr>
+          <p:nvPr/>
+        </p:nvCxnSpPr>
+        <p:spPr>
+          <a:xfrm flipV="1">
+            <a:off x="2723320" y="3771312"/>
+            <a:ext cx="2774972" cy="896295"/>
+          </a:xfrm>
+          <a:prstGeom prst="line">
+            <a:avLst/>
+          </a:prstGeom>
+          <a:ln>
+            <a:solidFill>
+              <a:schemeClr val="tx1"/>
+            </a:solidFill>
+          </a:ln>
+        </p:spPr>
+        <p:style>
+          <a:lnRef idx="1">
+            <a:schemeClr val="accent1"/>
+          </a:lnRef>
+          <a:fillRef idx="0">
+            <a:schemeClr val="accent1"/>
+          </a:fillRef>
+          <a:effectRef idx="0">
+            <a:schemeClr val="accent1"/>
+          </a:effectRef>
+          <a:fontRef idx="minor">
+            <a:schemeClr val="tx1"/>
+          </a:fontRef>
+        </p:style>
+      </p:cxnSp>
+      <p:cxnSp>
+        <p:nvCxnSpPr>
+          <p:cNvPr id="44" name="Rett linje 43"/>
+          <p:cNvCxnSpPr>
+            <a:cxnSpLocks/>
+            <a:stCxn id="38" idx="0"/>
+            <a:endCxn id="35" idx="5"/>
+          </p:cNvCxnSpPr>
+          <p:nvPr/>
+        </p:nvCxnSpPr>
+        <p:spPr>
+          <a:xfrm flipH="1" flipV="1">
+            <a:off x="4295539" y="3375409"/>
+            <a:ext cx="2701" cy="2221526"/>
+          </a:xfrm>
+          <a:prstGeom prst="line">
+            <a:avLst/>
+          </a:prstGeom>
+          <a:ln>
+            <a:solidFill>
+              <a:schemeClr val="tx1"/>
+            </a:solidFill>
+          </a:ln>
+        </p:spPr>
+        <p:style>
+          <a:lnRef idx="1">
+            <a:schemeClr val="accent1"/>
+          </a:lnRef>
+          <a:fillRef idx="0">
+            <a:schemeClr val="accent1"/>
+          </a:fillRef>
+          <a:effectRef idx="0">
+            <a:schemeClr val="accent1"/>
+          </a:effectRef>
+          <a:fontRef idx="minor">
+            <a:schemeClr val="tx1"/>
+          </a:fontRef>
+        </p:style>
+      </p:cxnSp>
+      <p:cxnSp>
+        <p:nvCxnSpPr>
+          <p:cNvPr id="48" name="Rett linje 47"/>
+          <p:cNvCxnSpPr>
+            <a:cxnSpLocks/>
+            <a:stCxn id="38" idx="0"/>
+            <a:endCxn id="51" idx="2"/>
+          </p:cNvCxnSpPr>
+          <p:nvPr/>
+        </p:nvCxnSpPr>
+        <p:spPr>
+          <a:xfrm flipV="1">
+            <a:off x="4298240" y="3771312"/>
+            <a:ext cx="1427356" cy="1825623"/>
+          </a:xfrm>
+          <a:prstGeom prst="line">
+            <a:avLst/>
+          </a:prstGeom>
+          <a:ln>
+            <a:solidFill>
+              <a:schemeClr val="tx1"/>
+            </a:solidFill>
+          </a:ln>
+        </p:spPr>
+        <p:style>
+          <a:lnRef idx="1">
+            <a:schemeClr val="accent1"/>
+          </a:lnRef>
+          <a:fillRef idx="0">
+            <a:schemeClr val="accent1"/>
+          </a:fillRef>
+          <a:effectRef idx="0">
+            <a:schemeClr val="accent1"/>
+          </a:effectRef>
+          <a:fontRef idx="minor">
+            <a:schemeClr val="tx1"/>
+          </a:fontRef>
+        </p:style>
+      </p:cxnSp>
     </p:spTree>
     <p:extLst>
       <p:ext uri="{BB962C8B-B14F-4D97-AF65-F5344CB8AC3E}">
